--- a/PPT FWD TNSDC 2025.pptx
+++ b/PPT FWD TNSDC 2025.pptx
@@ -2,23 +2,24 @@
 <file path=ppt/presentation.xml><?xml version="1.0" encoding="utf-8"?>
 <p:presentation xmlns:p="http://schemas.openxmlformats.org/presentationml/2006/main" xmlns:r="http://schemas.openxmlformats.org/officeDocument/2006/relationships" xmlns:a="http://schemas.openxmlformats.org/drawingml/2006/main">
   <p:sldMasterIdLst>
-    <p:sldMasterId id="2147483648" r:id="rId1"/>
+    <p:sldMasterId id="2147483662" r:id="rId1"/>
   </p:sldMasterIdLst>
   <p:notesMasterIdLst>
     <p:notesMasterId r:id="rId2"/>
   </p:notesMasterIdLst>
   <p:sldIdLst>
-    <p:sldId id="257" r:id="rId3"/>
-    <p:sldId id="258" r:id="rId4"/>
-    <p:sldId id="259" r:id="rId5"/>
-    <p:sldId id="260" r:id="rId6"/>
-    <p:sldId id="261" r:id="rId7"/>
-    <p:sldId id="262" r:id="rId8"/>
-    <p:sldId id="263" r:id="rId9"/>
-    <p:sldId id="264" r:id="rId10"/>
-    <p:sldId id="265" r:id="rId11"/>
-    <p:sldId id="266" r:id="rId12"/>
-    <p:sldId id="268" r:id="rId13"/>
+    <p:sldId id="282" r:id="rId3"/>
+    <p:sldId id="283" r:id="rId4"/>
+    <p:sldId id="284" r:id="rId5"/>
+    <p:sldId id="285" r:id="rId6"/>
+    <p:sldId id="286" r:id="rId7"/>
+    <p:sldId id="287" r:id="rId8"/>
+    <p:sldId id="288" r:id="rId9"/>
+    <p:sldId id="289" r:id="rId10"/>
+    <p:sldId id="290" r:id="rId11"/>
+    <p:sldId id="291" r:id="rId12"/>
+    <p:sldId id="293" r:id="rId13"/>
+    <p:sldId id="304" r:id="rId14"/>
   </p:sldIdLst>
   <p:sldSz type="screen16x9" cy="6858000" cx="12192000"/>
   <p:notesSz cx="9143861" cy="6857895"/>
@@ -745,7 +746,7 @@
   <p:cSld>
     <p:spTree>
       <p:nvGrpSpPr>
-        <p:cNvPr id="65" name=""/>
+        <p:cNvPr id="68" name=""/>
         <p:cNvGrpSpPr/>
         <p:nvPr/>
       </p:nvGrpSpPr>
@@ -759,7 +760,7 @@
       </p:grpSpPr>
       <p:sp>
         <p:nvSpPr>
-          <p:cNvPr id="1048727" name="文本框"/>
+          <p:cNvPr id="1048736" name="文本框"/>
           <p:cNvSpPr>
             <a:spLocks noGrp="1"/>
           </p:cNvSpPr>
@@ -771,7 +772,7 @@
       </p:sp>
       <p:sp>
         <p:nvSpPr>
-          <p:cNvPr id="1048728" name="文本框"/>
+          <p:cNvPr id="1048737" name="文本框"/>
           <p:cNvSpPr>
             <a:spLocks noGrp="1"/>
           </p:cNvSpPr>
@@ -789,7 +790,7 @@
       </p:sp>
       <p:sp>
         <p:nvSpPr>
-          <p:cNvPr id="1048729" name="文本框"/>
+          <p:cNvPr id="1048738" name="文本框"/>
           <p:cNvSpPr>
             <a:spLocks noGrp="1"/>
           </p:cNvSpPr>
@@ -848,7 +849,7 @@
   <p:cSld>
     <p:spTree>
       <p:nvGrpSpPr>
-        <p:cNvPr id="68" name=""/>
+        <p:cNvPr id="49" name=""/>
         <p:cNvGrpSpPr/>
         <p:nvPr/>
       </p:nvGrpSpPr>
@@ -862,7 +863,7 @@
       </p:grpSpPr>
       <p:sp>
         <p:nvSpPr>
-          <p:cNvPr id="1048736" name="文本框"/>
+          <p:cNvPr id="1048685" name="文本框"/>
           <p:cNvSpPr>
             <a:spLocks noGrp="1"/>
           </p:cNvSpPr>
@@ -874,7 +875,7 @@
       </p:sp>
       <p:sp>
         <p:nvSpPr>
-          <p:cNvPr id="1048737" name="文本框"/>
+          <p:cNvPr id="1048686" name="文本框"/>
           <p:cNvSpPr>
             <a:spLocks noGrp="1"/>
           </p:cNvSpPr>
@@ -892,7 +893,7 @@
       </p:sp>
       <p:sp>
         <p:nvSpPr>
-          <p:cNvPr id="1048738" name="文本框"/>
+          <p:cNvPr id="1048687" name="文本框"/>
           <p:cNvSpPr>
             <a:spLocks noGrp="1"/>
           </p:cNvSpPr>
@@ -1260,109 +1261,6 @@
   <p:cSld>
     <p:spTree>
       <p:nvGrpSpPr>
-        <p:cNvPr id="50" name=""/>
-        <p:cNvGrpSpPr/>
-        <p:nvPr/>
-      </p:nvGrpSpPr>
-      <p:grpSpPr>
-        <a:xfrm>
-          <a:off x="0" y="0"/>
-          <a:ext cx="0" cy="0"/>
-          <a:chOff x="0" y="0"/>
-          <a:chExt cx="0" cy="0"/>
-        </a:xfrm>
-      </p:grpSpPr>
-      <p:sp>
-        <p:nvSpPr>
-          <p:cNvPr id="1048685" name="文本框"/>
-          <p:cNvSpPr>
-            <a:spLocks noGrp="1"/>
-          </p:cNvSpPr>
-          <p:nvPr>
-            <p:ph type="sldImg"/>
-          </p:nvPr>
-        </p:nvSpPr>
-        <p:spPr/>
-      </p:sp>
-      <p:sp>
-        <p:nvSpPr>
-          <p:cNvPr id="1048686" name="文本框"/>
-          <p:cNvSpPr>
-            <a:spLocks noGrp="1"/>
-          </p:cNvSpPr>
-          <p:nvPr>
-            <p:ph type="body" idx="1"/>
-          </p:nvPr>
-        </p:nvSpPr>
-        <p:spPr/>
-        <p:txBody>
-          <a:bodyPr/>
-          <a:p>
-            <a:endParaRPr altLang="en-US" lang="zh-CN"/>
-          </a:p>
-        </p:txBody>
-      </p:sp>
-      <p:sp>
-        <p:nvSpPr>
-          <p:cNvPr id="1048687" name="文本框"/>
-          <p:cNvSpPr>
-            <a:spLocks noGrp="1"/>
-          </p:cNvSpPr>
-          <p:nvPr>
-            <p:ph type="sldNum" idx="5"/>
-          </p:nvPr>
-        </p:nvSpPr>
-        <p:spPr>
-          <a:xfrm rot="0">
-            <a:off x="6905625" y="6513513"/>
-            <a:ext cx="5283200" cy="344487"/>
-          </a:xfrm>
-          <a:prstGeom prst="rect"/>
-          <a:noFill/>
-          <a:ln w="12700" cap="flat" cmpd="sng">
-            <a:noFill/>
-            <a:prstDash val="solid"/>
-            <a:miter/>
-          </a:ln>
-        </p:spPr>
-        <p:txBody>
-          <a:bodyPr anchor="b" anchorCtr="0" bIns="45720" lIns="91440" rIns="91440" tIns="45720" vert="horz" wrap="square">
-            <a:prstTxWarp prst="textNoShape"/>
-          </a:bodyPr>
-          <a:p>
-            <a:pPr algn="r"/>
-            <a:fld id="{CAD2D6BD-DE1B-4B5F-8B41-2702339687B9}" type="slidenum">
-              <a:rPr altLang="zh-CN" baseline="0" b="0" cap="none" sz="1200" i="0" kern="1200" lang="en-US" spc="0" strike="noStrike" u="none">
-                <a:solidFill>
-                  <a:schemeClr val="tx1"/>
-                </a:solidFill>
-                <a:latin typeface="Calibri" pitchFamily="0" charset="0"/>
-                <a:ea typeface="等线" pitchFamily="0" charset="0"/>
-                <a:cs typeface="Calibri" pitchFamily="0" charset="0"/>
-              </a:rPr>
-              <a:t>5</a:t>
-            </a:fld>
-            <a:endParaRPr altLang="en-US" sz="1200" lang="zh-CN">
-              <a:latin typeface="Calibri" pitchFamily="0" charset="0"/>
-              <a:ea typeface="等线" pitchFamily="0" charset="0"/>
-              <a:cs typeface="Calibri" pitchFamily="0" charset="0"/>
-            </a:endParaRPr>
-          </a:p>
-        </p:txBody>
-      </p:sp>
-    </p:spTree>
-  </p:cSld>
-  <p:clrMapOvr>
-    <a:masterClrMapping/>
-  </p:clrMapOvr>
-</p:notes>
-</file>
-
-<file path=ppt/notesSlides/notesSlide6.xml><?xml version="1.0" encoding="utf-8"?>
-<p:notes xmlns:a="http://schemas.openxmlformats.org/drawingml/2006/main" xmlns:r="http://schemas.openxmlformats.org/officeDocument/2006/relationships" xmlns:p="http://schemas.openxmlformats.org/presentationml/2006/main">
-  <p:cSld>
-    <p:spTree>
-      <p:nvGrpSpPr>
         <p:cNvPr id="53" name=""/>
         <p:cNvGrpSpPr/>
         <p:nvPr/>
@@ -1443,7 +1341,7 @@
                 <a:ea typeface="等线" pitchFamily="0" charset="0"/>
                 <a:cs typeface="Calibri" pitchFamily="0" charset="0"/>
               </a:rPr>
-              <a:t>6</a:t>
+              <a:t>5</a:t>
             </a:fld>
             <a:endParaRPr altLang="en-US" sz="1200" lang="zh-CN">
               <a:latin typeface="Calibri" pitchFamily="0" charset="0"/>
@@ -1461,7 +1359,7 @@
 </p:notes>
 </file>
 
-<file path=ppt/notesSlides/notesSlide7.xml><?xml version="1.0" encoding="utf-8"?>
+<file path=ppt/notesSlides/notesSlide6.xml><?xml version="1.0" encoding="utf-8"?>
 <p:notes xmlns:a="http://schemas.openxmlformats.org/drawingml/2006/main" xmlns:r="http://schemas.openxmlformats.org/officeDocument/2006/relationships" xmlns:p="http://schemas.openxmlformats.org/presentationml/2006/main">
   <p:cSld>
     <p:spTree>
@@ -1546,7 +1444,7 @@
                 <a:ea typeface="等线" pitchFamily="0" charset="0"/>
                 <a:cs typeface="Calibri" pitchFamily="0" charset="0"/>
               </a:rPr>
-              <a:t>7</a:t>
+              <a:t>6</a:t>
             </a:fld>
             <a:endParaRPr altLang="en-US" sz="1200" lang="zh-CN">
               <a:latin typeface="Calibri" pitchFamily="0" charset="0"/>
@@ -1564,7 +1462,7 @@
 </p:notes>
 </file>
 
-<file path=ppt/notesSlides/notesSlide8.xml><?xml version="1.0" encoding="utf-8"?>
+<file path=ppt/notesSlides/notesSlide7.xml><?xml version="1.0" encoding="utf-8"?>
 <p:notes xmlns:a="http://schemas.openxmlformats.org/drawingml/2006/main" xmlns:r="http://schemas.openxmlformats.org/officeDocument/2006/relationships" xmlns:p="http://schemas.openxmlformats.org/presentationml/2006/main">
   <p:cSld>
     <p:spTree>
@@ -1583,7 +1481,7 @@
       </p:grpSpPr>
       <p:sp>
         <p:nvSpPr>
-          <p:cNvPr id="1048711" name="文本框"/>
+          <p:cNvPr id="1048712" name="文本框"/>
           <p:cNvSpPr>
             <a:spLocks noGrp="1"/>
           </p:cNvSpPr>
@@ -1595,7 +1493,7 @@
       </p:sp>
       <p:sp>
         <p:nvSpPr>
-          <p:cNvPr id="1048712" name="文本框"/>
+          <p:cNvPr id="1048713" name="文本框"/>
           <p:cNvSpPr>
             <a:spLocks noGrp="1"/>
           </p:cNvSpPr>
@@ -1613,7 +1511,7 @@
       </p:sp>
       <p:sp>
         <p:nvSpPr>
-          <p:cNvPr id="1048713" name="文本框"/>
+          <p:cNvPr id="1048714" name="文本框"/>
           <p:cNvSpPr>
             <a:spLocks noGrp="1"/>
           </p:cNvSpPr>
@@ -1649,7 +1547,7 @@
                 <a:ea typeface="等线" pitchFamily="0" charset="0"/>
                 <a:cs typeface="Calibri" pitchFamily="0" charset="0"/>
               </a:rPr>
-              <a:t>8</a:t>
+              <a:t>7</a:t>
             </a:fld>
             <a:endParaRPr altLang="en-US" sz="1200" lang="zh-CN">
               <a:latin typeface="Calibri" pitchFamily="0" charset="0"/>
@@ -1667,7 +1565,7 @@
 </p:notes>
 </file>
 
-<file path=ppt/notesSlides/notesSlide9.xml><?xml version="1.0" encoding="utf-8"?>
+<file path=ppt/notesSlides/notesSlide8.xml><?xml version="1.0" encoding="utf-8"?>
 <p:notes xmlns:a="http://schemas.openxmlformats.org/drawingml/2006/main" xmlns:r="http://schemas.openxmlformats.org/officeDocument/2006/relationships" xmlns:p="http://schemas.openxmlformats.org/presentationml/2006/main">
   <p:cSld>
     <p:spTree>
@@ -1686,7 +1584,7 @@
       </p:grpSpPr>
       <p:sp>
         <p:nvSpPr>
-          <p:cNvPr id="1048716" name="文本框"/>
+          <p:cNvPr id="1048720" name="文本框"/>
           <p:cNvSpPr>
             <a:spLocks noGrp="1"/>
           </p:cNvSpPr>
@@ -1698,7 +1596,7 @@
       </p:sp>
       <p:sp>
         <p:nvSpPr>
-          <p:cNvPr id="1048717" name="文本框"/>
+          <p:cNvPr id="1048721" name="文本框"/>
           <p:cNvSpPr>
             <a:spLocks noGrp="1"/>
           </p:cNvSpPr>
@@ -1716,7 +1614,110 @@
       </p:sp>
       <p:sp>
         <p:nvSpPr>
-          <p:cNvPr id="1048718" name="文本框"/>
+          <p:cNvPr id="1048722" name="文本框"/>
+          <p:cNvSpPr>
+            <a:spLocks noGrp="1"/>
+          </p:cNvSpPr>
+          <p:nvPr>
+            <p:ph type="sldNum" idx="5"/>
+          </p:nvPr>
+        </p:nvSpPr>
+        <p:spPr>
+          <a:xfrm rot="0">
+            <a:off x="6905625" y="6513513"/>
+            <a:ext cx="5283200" cy="344487"/>
+          </a:xfrm>
+          <a:prstGeom prst="rect"/>
+          <a:noFill/>
+          <a:ln w="12700" cap="flat" cmpd="sng">
+            <a:noFill/>
+            <a:prstDash val="solid"/>
+            <a:miter/>
+          </a:ln>
+        </p:spPr>
+        <p:txBody>
+          <a:bodyPr anchor="b" anchorCtr="0" bIns="45720" lIns="91440" rIns="91440" tIns="45720" vert="horz" wrap="square">
+            <a:prstTxWarp prst="textNoShape"/>
+          </a:bodyPr>
+          <a:p>
+            <a:pPr algn="r"/>
+            <a:fld id="{CAD2D6BD-DE1B-4B5F-8B41-2702339687B9}" type="slidenum">
+              <a:rPr altLang="zh-CN" baseline="0" b="0" cap="none" sz="1200" i="0" kern="1200" lang="en-US" spc="0" strike="noStrike" u="none">
+                <a:solidFill>
+                  <a:schemeClr val="tx1"/>
+                </a:solidFill>
+                <a:latin typeface="Calibri" pitchFamily="0" charset="0"/>
+                <a:ea typeface="等线" pitchFamily="0" charset="0"/>
+                <a:cs typeface="Calibri" pitchFamily="0" charset="0"/>
+              </a:rPr>
+              <a:t>8</a:t>
+            </a:fld>
+            <a:endParaRPr altLang="en-US" sz="1200" lang="zh-CN">
+              <a:latin typeface="Calibri" pitchFamily="0" charset="0"/>
+              <a:ea typeface="等线" pitchFamily="0" charset="0"/>
+              <a:cs typeface="Calibri" pitchFamily="0" charset="0"/>
+            </a:endParaRPr>
+          </a:p>
+        </p:txBody>
+      </p:sp>
+    </p:spTree>
+  </p:cSld>
+  <p:clrMapOvr>
+    <a:masterClrMapping/>
+  </p:clrMapOvr>
+</p:notes>
+</file>
+
+<file path=ppt/notesSlides/notesSlide9.xml><?xml version="1.0" encoding="utf-8"?>
+<p:notes xmlns:a="http://schemas.openxmlformats.org/drawingml/2006/main" xmlns:r="http://schemas.openxmlformats.org/officeDocument/2006/relationships" xmlns:p="http://schemas.openxmlformats.org/presentationml/2006/main">
+  <p:cSld>
+    <p:spTree>
+      <p:nvGrpSpPr>
+        <p:cNvPr id="65" name=""/>
+        <p:cNvGrpSpPr/>
+        <p:nvPr/>
+      </p:nvGrpSpPr>
+      <p:grpSpPr>
+        <a:xfrm>
+          <a:off x="0" y="0"/>
+          <a:ext cx="0" cy="0"/>
+          <a:chOff x="0" y="0"/>
+          <a:chExt cx="0" cy="0"/>
+        </a:xfrm>
+      </p:grpSpPr>
+      <p:sp>
+        <p:nvSpPr>
+          <p:cNvPr id="1048725" name="文本框"/>
+          <p:cNvSpPr>
+            <a:spLocks noGrp="1"/>
+          </p:cNvSpPr>
+          <p:nvPr>
+            <p:ph type="sldImg"/>
+          </p:nvPr>
+        </p:nvSpPr>
+        <p:spPr/>
+      </p:sp>
+      <p:sp>
+        <p:nvSpPr>
+          <p:cNvPr id="1048726" name="文本框"/>
+          <p:cNvSpPr>
+            <a:spLocks noGrp="1"/>
+          </p:cNvSpPr>
+          <p:nvPr>
+            <p:ph type="body" idx="1"/>
+          </p:nvPr>
+        </p:nvSpPr>
+        <p:spPr/>
+        <p:txBody>
+          <a:bodyPr/>
+          <a:p>
+            <a:endParaRPr altLang="en-US" lang="zh-CN"/>
+          </a:p>
+        </p:txBody>
+      </p:sp>
+      <p:sp>
+        <p:nvSpPr>
+          <p:cNvPr id="1048727" name="文本框"/>
           <p:cNvSpPr>
             <a:spLocks noGrp="1"/>
           </p:cNvSpPr>
@@ -1800,7 +1801,7 @@
         <p:spPr>
           <a:xfrm>
             <a:off x="914400" y="2130425"/>
-            <a:ext cx="10363200" cy="1470025"/>
+            <a:ext cx="10363200" cy="266700"/>
           </a:xfrm>
         </p:spPr>
         <p:txBody>
@@ -1827,7 +1828,7 @@
         <p:spPr>
           <a:xfrm>
             <a:off x="1828800" y="3886199"/>
-            <a:ext cx="8534400" cy="1752600"/>
+            <a:ext cx="8534400" cy="266700"/>
           </a:xfrm>
         </p:spPr>
         <p:txBody>
@@ -1965,7 +1966,12 @@
             <p:ph type="title"/>
           </p:nvPr>
         </p:nvSpPr>
-        <p:spPr/>
+        <p:spPr>
+          <a:xfrm rot="0">
+            <a:off x="755332" y="385444"/>
+            <a:ext cx="10681335" cy="266701"/>
+          </a:xfrm>
+        </p:spPr>
         <p:txBody>
           <a:bodyPr/>
           <a:p>
@@ -1987,7 +1993,12 @@
             <p:ph type="body" orient="vert" idx="1"/>
           </p:nvPr>
         </p:nvSpPr>
-        <p:spPr/>
+        <p:spPr>
+          <a:xfrm rot="0">
+            <a:off x="10248900" y="1577340"/>
+            <a:ext cx="1333500" cy="4526279"/>
+          </a:xfrm>
+        </p:spPr>
         <p:txBody>
           <a:bodyPr vert="eaVert"/>
           <a:p>
@@ -2125,8 +2136,8 @@
         </p:nvSpPr>
         <p:spPr>
           <a:xfrm>
-            <a:off x="6629400" y="274638"/>
-            <a:ext cx="2057400" cy="5851525"/>
+            <a:off x="8420100" y="274638"/>
+            <a:ext cx="266700" cy="5851525"/>
           </a:xfrm>
         </p:spPr>
         <p:txBody>
@@ -2152,8 +2163,8 @@
         </p:nvSpPr>
         <p:spPr>
           <a:xfrm>
-            <a:off x="457200" y="274638"/>
-            <a:ext cx="6019800" cy="5851525"/>
+            <a:off x="5143500" y="274638"/>
+            <a:ext cx="1333500" cy="5851525"/>
           </a:xfrm>
         </p:spPr>
         <p:txBody>
@@ -2808,7 +2819,7 @@
         <p:spPr>
           <a:xfrm rot="0">
             <a:off x="3195573" y="2067305"/>
-            <a:ext cx="5800851" cy="518159"/>
+            <a:ext cx="5800851" cy="574039"/>
           </a:xfrm>
           <a:prstGeom prst="rect"/>
           <a:noFill/>
@@ -2847,7 +2858,7 @@
         <p:spPr>
           <a:xfrm rot="0">
             <a:off x="1828800" y="3840480"/>
-            <a:ext cx="8534401" cy="1714499"/>
+            <a:ext cx="8534401" cy="358140"/>
           </a:xfrm>
           <a:prstGeom prst="rect"/>
           <a:noFill/>
@@ -3560,7 +3571,7 @@
         <p:spPr>
           <a:xfrm rot="0">
             <a:off x="755332" y="385444"/>
-            <a:ext cx="10681335" cy="758190"/>
+            <a:ext cx="10681335" cy="723901"/>
           </a:xfrm>
           <a:prstGeom prst="rect"/>
           <a:noFill/>
@@ -3762,7 +3773,12 @@
             <p:ph type="title"/>
           </p:nvPr>
         </p:nvSpPr>
-        <p:spPr/>
+        <p:spPr>
+          <a:xfrm rot="0">
+            <a:off x="755332" y="385444"/>
+            <a:ext cx="10681335" cy="266701"/>
+          </a:xfrm>
+        </p:spPr>
         <p:txBody>
           <a:bodyPr/>
           <a:p>
@@ -3784,7 +3800,12 @@
             <p:ph idx="1"/>
           </p:nvPr>
         </p:nvSpPr>
-        <p:spPr/>
+        <p:spPr>
+          <a:xfrm rot="0">
+            <a:off x="609600" y="1577340"/>
+            <a:ext cx="10972800" cy="1333501"/>
+          </a:xfrm>
+        </p:spPr>
         <p:txBody>
           <a:bodyPr/>
           <a:p>
@@ -3923,7 +3944,7 @@
         <p:spPr>
           <a:xfrm>
             <a:off x="722313" y="4406900"/>
-            <a:ext cx="7772400" cy="1362075"/>
+            <a:ext cx="7772400" cy="596900"/>
           </a:xfrm>
         </p:spPr>
         <p:txBody>
@@ -3954,8 +3975,8 @@
         </p:nvSpPr>
         <p:spPr>
           <a:xfrm>
-            <a:off x="722313" y="2906713"/>
-            <a:ext cx="7772400" cy="1500187"/>
+            <a:off x="722313" y="4102099"/>
+            <a:ext cx="7772400" cy="304801"/>
           </a:xfrm>
         </p:spPr>
         <p:txBody>
@@ -4102,7 +4123,12 @@
             <p:ph type="title"/>
           </p:nvPr>
         </p:nvSpPr>
-        <p:spPr/>
+        <p:spPr>
+          <a:xfrm rot="0">
+            <a:off x="755332" y="385444"/>
+            <a:ext cx="10681335" cy="266701"/>
+          </a:xfrm>
+        </p:spPr>
         <p:txBody>
           <a:bodyPr/>
           <a:p>
@@ -4127,7 +4153,7 @@
         <p:spPr>
           <a:xfrm>
             <a:off x="457200" y="1600200"/>
-            <a:ext cx="4038600" cy="4525963"/>
+            <a:ext cx="4038600" cy="2032000"/>
           </a:xfrm>
         </p:spPr>
         <p:txBody>
@@ -4212,7 +4238,7 @@
         <p:spPr>
           <a:xfrm>
             <a:off x="4648200" y="1600200"/>
-            <a:ext cx="4038600" cy="4525963"/>
+            <a:ext cx="4038600" cy="2032000"/>
           </a:xfrm>
         </p:spPr>
         <p:txBody>
@@ -4379,7 +4405,12 @@
             <p:ph type="title"/>
           </p:nvPr>
         </p:nvSpPr>
-        <p:spPr/>
+        <p:spPr>
+          <a:xfrm rot="0">
+            <a:off x="755332" y="385444"/>
+            <a:ext cx="10681335" cy="266701"/>
+          </a:xfrm>
+        </p:spPr>
         <p:txBody>
           <a:bodyPr/>
           <a:p>
@@ -4403,8 +4434,8 @@
         </p:nvSpPr>
         <p:spPr>
           <a:xfrm>
-            <a:off x="457200" y="1535113"/>
-            <a:ext cx="4040188" cy="639762"/>
+            <a:off x="457200" y="1819275"/>
+            <a:ext cx="4040188" cy="355600"/>
           </a:xfrm>
         </p:spPr>
         <p:txBody>
@@ -4469,7 +4500,7 @@
         <p:spPr>
           <a:xfrm>
             <a:off x="457200" y="2174875"/>
-            <a:ext cx="4040188" cy="3951288"/>
+            <a:ext cx="4040188" cy="1409700"/>
           </a:xfrm>
         </p:spPr>
         <p:txBody>
@@ -4553,8 +4584,8 @@
         </p:nvSpPr>
         <p:spPr>
           <a:xfrm>
-            <a:off x="4645025" y="1535113"/>
-            <a:ext cx="4041775" cy="639762"/>
+            <a:off x="4645025" y="1819275"/>
+            <a:ext cx="4041775" cy="355600"/>
           </a:xfrm>
         </p:spPr>
         <p:txBody>
@@ -4619,7 +4650,7 @@
         <p:spPr>
           <a:xfrm>
             <a:off x="4645025" y="2174875"/>
-            <a:ext cx="4041775" cy="3951288"/>
+            <a:ext cx="4041775" cy="1409700"/>
           </a:xfrm>
         </p:spPr>
         <p:txBody>
@@ -4786,7 +4817,12 @@
             <p:ph type="title"/>
           </p:nvPr>
         </p:nvSpPr>
-        <p:spPr/>
+        <p:spPr>
+          <a:xfrm rot="0">
+            <a:off x="755332" y="385444"/>
+            <a:ext cx="10681335" cy="266701"/>
+          </a:xfrm>
+        </p:spPr>
         <p:txBody>
           <a:bodyPr/>
           <a:p>
@@ -4980,8 +5016,8 @@
         </p:nvSpPr>
         <p:spPr>
           <a:xfrm>
-            <a:off x="457200" y="273050"/>
-            <a:ext cx="3008313" cy="1162050"/>
+            <a:off x="457200" y="825500"/>
+            <a:ext cx="3008313" cy="609600"/>
           </a:xfrm>
         </p:spPr>
         <p:txBody>
@@ -5013,7 +5049,7 @@
         <p:spPr>
           <a:xfrm>
             <a:off x="3575050" y="273050"/>
-            <a:ext cx="5111750" cy="5853113"/>
+            <a:ext cx="5111750" cy="1866900"/>
           </a:xfrm>
         </p:spPr>
         <p:txBody>
@@ -5098,7 +5134,7 @@
         <p:spPr>
           <a:xfrm>
             <a:off x="457200" y="1435100"/>
-            <a:ext cx="3008313" cy="4691063"/>
+            <a:ext cx="3008313" cy="203200"/>
           </a:xfrm>
         </p:spPr>
         <p:txBody>
@@ -5247,8 +5283,8 @@
         </p:nvSpPr>
         <p:spPr>
           <a:xfrm>
-            <a:off x="1792288" y="4800600"/>
-            <a:ext cx="5486400" cy="566738"/>
+            <a:off x="1792288" y="5062537"/>
+            <a:ext cx="5486400" cy="304801"/>
           </a:xfrm>
         </p:spPr>
         <p:txBody>
@@ -5341,7 +5377,7 @@
         <p:spPr>
           <a:xfrm>
             <a:off x="1792288" y="5367338"/>
-            <a:ext cx="5486400" cy="804862"/>
+            <a:ext cx="5486400" cy="203200"/>
           </a:xfrm>
         </p:spPr>
         <p:txBody>
@@ -6220,19 +6256,19 @@
   </p:cSld>
   <p:clrMap accent1="accent1" accent2="accent2" accent3="accent3" accent4="accent4" accent5="accent5" accent6="accent6" bg1="lt1" bg2="lt2" tx1="dk1" tx2="dk2" hlink="hlink" folHlink="folHlink"/>
   <p:sldLayoutIdLst>
-    <p:sldLayoutId id="2147483649" r:id="rId1"/>
-    <p:sldLayoutId id="2147483650" r:id="rId2"/>
-    <p:sldLayoutId id="2147483651" r:id="rId3"/>
-    <p:sldLayoutId id="2147483652" r:id="rId4"/>
-    <p:sldLayoutId id="2147483653" r:id="rId5"/>
-    <p:sldLayoutId id="2147483654" r:id="rId6"/>
-    <p:sldLayoutId id="2147483655" r:id="rId7"/>
-    <p:sldLayoutId id="2147483656" r:id="rId8"/>
-    <p:sldLayoutId id="2147483657" r:id="rId9"/>
-    <p:sldLayoutId id="2147483658" r:id="rId10"/>
-    <p:sldLayoutId id="2147483659" r:id="rId11"/>
-    <p:sldLayoutId id="2147483660" r:id="rId12"/>
-    <p:sldLayoutId id="2147483661" r:id="rId13"/>
+    <p:sldLayoutId id="2147483663" r:id="rId1"/>
+    <p:sldLayoutId id="2147483664" r:id="rId2"/>
+    <p:sldLayoutId id="2147483665" r:id="rId3"/>
+    <p:sldLayoutId id="2147483666" r:id="rId4"/>
+    <p:sldLayoutId id="2147483667" r:id="rId5"/>
+    <p:sldLayoutId id="2147483668" r:id="rId6"/>
+    <p:sldLayoutId id="2147483669" r:id="rId7"/>
+    <p:sldLayoutId id="2147483670" r:id="rId8"/>
+    <p:sldLayoutId id="2147483671" r:id="rId9"/>
+    <p:sldLayoutId id="2147483672" r:id="rId10"/>
+    <p:sldLayoutId id="2147483673" r:id="rId11"/>
+    <p:sldLayoutId id="2147483674" r:id="rId12"/>
+    <p:sldLayoutId id="2147483675" r:id="rId13"/>
   </p:sldLayoutIdLst>
   <p:hf dt="0" ftr="0" hdr="0" sldNum="0"/>
   <p:txStyles>
@@ -7355,7 +7391,7 @@
     </p:bg>
     <p:spTree>
       <p:nvGrpSpPr>
-        <p:cNvPr id="63" name=""/>
+        <p:cNvPr id="66" name=""/>
         <p:cNvGrpSpPr/>
         <p:nvPr/>
       </p:nvGrpSpPr>
@@ -7369,7 +7405,7 @@
       </p:grpSpPr>
       <p:sp>
         <p:nvSpPr>
-          <p:cNvPr id="1048719" name="矩形"/>
+          <p:cNvPr id="1048728" name="矩形"/>
           <p:cNvSpPr/>
           <p:nvPr/>
         </p:nvSpPr>
@@ -7571,7 +7607,7 @@
       </p:sp>
       <p:sp>
         <p:nvSpPr>
-          <p:cNvPr id="1048720" name="曲线"/>
+          <p:cNvPr id="1048729" name="曲线"/>
           <p:cNvSpPr/>
           <p:nvPr/>
         </p:nvSpPr>
@@ -7623,7 +7659,7 @@
       </p:sp>
       <p:sp>
         <p:nvSpPr>
-          <p:cNvPr id="1048721" name="曲线"/>
+          <p:cNvPr id="1048730" name="曲线"/>
           <p:cNvSpPr/>
           <p:nvPr/>
         </p:nvSpPr>
@@ -7675,7 +7711,7 @@
       </p:sp>
       <p:sp>
         <p:nvSpPr>
-          <p:cNvPr id="1048722" name="曲线"/>
+          <p:cNvPr id="1048731" name="曲线"/>
           <p:cNvSpPr/>
           <p:nvPr/>
         </p:nvSpPr>
@@ -7727,7 +7763,7 @@
       </p:sp>
       <p:pic>
         <p:nvPicPr>
-          <p:cNvPr id="2097171" name="图片"/>
+          <p:cNvPr id="2097172" name="图片"/>
           <p:cNvPicPr>
             <a:picLocks/>
           </p:cNvPicPr>
@@ -7755,7 +7791,7 @@
       </p:pic>
       <p:sp>
         <p:nvSpPr>
-          <p:cNvPr id="1048723" name="文本框"/>
+          <p:cNvPr id="1048732" name="文本框"/>
           <p:cNvSpPr>
             <a:spLocks noGrp="1"/>
           </p:cNvSpPr>
@@ -7818,7 +7854,7 @@
       </p:sp>
       <p:sp>
         <p:nvSpPr>
-          <p:cNvPr id="1048724" name="矩形"/>
+          <p:cNvPr id="1048733" name="矩形"/>
           <p:cNvSpPr/>
           <p:nvPr/>
         </p:nvSpPr>
@@ -7877,7 +7913,7 @@
       </p:sp>
       <p:sp>
         <p:nvSpPr>
-          <p:cNvPr id="1048725" name="矩形"/>
+          <p:cNvPr id="1048734" name="矩形"/>
           <p:cNvSpPr/>
           <p:nvPr/>
         </p:nvSpPr>
@@ -7948,7 +7984,7 @@
       </p:sp>
       <p:sp>
         <p:nvSpPr>
-          <p:cNvPr id="1048726" name="文本框"/>
+          <p:cNvPr id="1048735" name="文本框"/>
           <p:cNvSpPr txBox="1"/>
           <p:nvPr/>
         </p:nvSpPr>
@@ -8025,7 +8061,7 @@
     </p:bg>
     <p:spTree>
       <p:nvGrpSpPr>
-        <p:cNvPr id="66" name=""/>
+        <p:cNvPr id="47" name=""/>
         <p:cNvGrpSpPr/>
         <p:nvPr/>
       </p:nvGrpSpPr>
@@ -8039,7 +8075,7 @@
       </p:grpSpPr>
       <p:sp>
         <p:nvSpPr>
-          <p:cNvPr id="1048730" name="曲线"/>
+          <p:cNvPr id="1048679" name="曲线"/>
           <p:cNvSpPr/>
           <p:nvPr/>
         </p:nvSpPr>
@@ -8091,7 +8127,7 @@
       </p:sp>
       <p:sp>
         <p:nvSpPr>
-          <p:cNvPr id="1048731" name="曲线"/>
+          <p:cNvPr id="1048680" name="曲线"/>
           <p:cNvSpPr/>
           <p:nvPr/>
         </p:nvSpPr>
@@ -8143,7 +8179,7 @@
       </p:sp>
       <p:sp>
         <p:nvSpPr>
-          <p:cNvPr id="1048732" name="曲线"/>
+          <p:cNvPr id="1048681" name="曲线"/>
           <p:cNvSpPr/>
           <p:nvPr/>
         </p:nvSpPr>
@@ -8195,7 +8231,7 @@
       </p:sp>
       <p:pic>
         <p:nvPicPr>
-          <p:cNvPr id="2097172" name="图片"/>
+          <p:cNvPr id="2097161" name="图片"/>
           <p:cNvPicPr>
             <a:picLocks/>
           </p:cNvPicPr>
@@ -8223,7 +8259,7 @@
       </p:pic>
       <p:sp>
         <p:nvSpPr>
-          <p:cNvPr id="1048733" name="文本框"/>
+          <p:cNvPr id="1048682" name="文本框"/>
           <p:cNvSpPr>
             <a:spLocks noGrp="1"/>
           </p:cNvSpPr>
@@ -8286,7 +8322,7 @@
       </p:sp>
       <p:sp>
         <p:nvSpPr>
-          <p:cNvPr id="1048734" name="矩形"/>
+          <p:cNvPr id="1048683" name="矩形"/>
           <p:cNvSpPr/>
           <p:nvPr/>
         </p:nvSpPr>
@@ -8345,7 +8381,7 @@
       </p:sp>
       <p:sp>
         <p:nvSpPr>
-          <p:cNvPr id="1048735" name="文本框"/>
+          <p:cNvPr id="1048684" name="文本框"/>
           <p:cNvSpPr txBox="1"/>
           <p:nvPr/>
         </p:nvSpPr>
@@ -8398,6 +8434,263 @@
               <a:latin typeface="Droid Sans" pitchFamily="0" charset="0"/>
               <a:ea typeface="宋体" pitchFamily="0" charset="0"/>
               <a:cs typeface="Lucida Sans"/>
+            </a:endParaRPr>
+          </a:p>
+        </p:txBody>
+      </p:sp>
+    </p:spTree>
+  </p:cSld>
+  <p:clrMapOvr>
+    <a:masterClrMapping/>
+  </p:clrMapOvr>
+</p:sld>
+</file>
+
+<file path=ppt/slides/slide12.xml><?xml version="1.0" encoding="utf-8"?>
+<p:sld xmlns:a="http://schemas.openxmlformats.org/drawingml/2006/main" xmlns:r="http://schemas.openxmlformats.org/officeDocument/2006/relationships" xmlns:p="http://schemas.openxmlformats.org/presentationml/2006/main">
+  <p:cSld>
+    <p:spTree>
+      <p:nvGrpSpPr>
+        <p:cNvPr id="81" name=""/>
+        <p:cNvGrpSpPr/>
+        <p:nvPr/>
+      </p:nvGrpSpPr>
+      <p:grpSpPr>
+        <a:xfrm>
+          <a:off x="0" y="0"/>
+          <a:ext cx="0" cy="0"/>
+          <a:chOff x="0" y="0"/>
+          <a:chExt cx="0" cy="0"/>
+        </a:xfrm>
+      </p:grpSpPr>
+      <p:sp>
+        <p:nvSpPr>
+          <p:cNvPr id="1048803" name=""/>
+          <p:cNvSpPr txBox="1"/>
+          <p:nvPr/>
+        </p:nvSpPr>
+        <p:spPr>
+          <a:xfrm>
+            <a:off x="3810000" y="3251200"/>
+            <a:ext cx="4572000" cy="2186940"/>
+          </a:xfrm>
+          <a:prstGeom prst="rect"/>
+        </p:spPr>
+        <p:txBody>
+          <a:bodyPr rtlCol="0" wrap="square">
+            <a:spAutoFit/>
+          </a:bodyPr>
+          <a:p>
+            <a:r>
+              <a:rPr sz="2800" lang="en-IN">
+                <a:solidFill>
+                  <a:srgbClr val="000000"/>
+                </a:solidFill>
+              </a:rPr>
+              <a:t>https://github.com/preethi22112005-maker/Mangaiyarkarasi-TNSDCFWD-DP.git</a:t>
+            </a:r>
+            <a:endParaRPr sz="2800" lang="en-IN">
+              <a:solidFill>
+                <a:srgbClr val="000000"/>
+              </a:solidFill>
+            </a:endParaRPr>
+          </a:p>
+        </p:txBody>
+      </p:sp>
+      <p:sp>
+        <p:nvSpPr>
+          <p:cNvPr id="1048804" name=""/>
+          <p:cNvSpPr txBox="1"/>
+          <p:nvPr/>
+        </p:nvSpPr>
+        <p:spPr>
+          <a:xfrm>
+            <a:off x="3810000" y="3251200"/>
+            <a:ext cx="4572000" cy="2186940"/>
+          </a:xfrm>
+          <a:prstGeom prst="rect"/>
+        </p:spPr>
+        <p:txBody>
+          <a:bodyPr rtlCol="0" wrap="square">
+            <a:spAutoFit/>
+          </a:bodyPr>
+          <a:p>
+            <a:r>
+              <a:rPr sz="2800" lang="en-IN">
+                <a:solidFill>
+                  <a:srgbClr val="000000"/>
+                </a:solidFill>
+              </a:rPr>
+              <a:t>https://github.com/preethi22112005-maker/Mangaiyarkarasi-TNSDCFWD-DP.git</a:t>
+            </a:r>
+            <a:endParaRPr sz="2800" lang="en-IN">
+              <a:solidFill>
+                <a:srgbClr val="000000"/>
+              </a:solidFill>
+            </a:endParaRPr>
+          </a:p>
+        </p:txBody>
+      </p:sp>
+      <p:sp>
+        <p:nvSpPr>
+          <p:cNvPr id="1048805" name=""/>
+          <p:cNvSpPr txBox="1"/>
+          <p:nvPr/>
+        </p:nvSpPr>
+        <p:spPr>
+          <a:xfrm>
+            <a:off x="3810000" y="3251200"/>
+            <a:ext cx="4572000" cy="2186940"/>
+          </a:xfrm>
+          <a:prstGeom prst="rect"/>
+        </p:spPr>
+        <p:txBody>
+          <a:bodyPr rtlCol="0" wrap="square">
+            <a:spAutoFit/>
+          </a:bodyPr>
+          <a:p>
+            <a:r>
+              <a:rPr sz="2800" lang="en-IN">
+                <a:solidFill>
+                  <a:srgbClr val="000000"/>
+                </a:solidFill>
+              </a:rPr>
+              <a:t>https://github.com/preethi22112005-maker/Mangaiyarkarasi-TNSDCFWD-DP.git</a:t>
+            </a:r>
+            <a:endParaRPr sz="2800" lang="en-IN">
+              <a:solidFill>
+                <a:srgbClr val="000000"/>
+              </a:solidFill>
+            </a:endParaRPr>
+          </a:p>
+        </p:txBody>
+      </p:sp>
+      <p:sp>
+        <p:nvSpPr>
+          <p:cNvPr id="1048806" name=""/>
+          <p:cNvSpPr txBox="1"/>
+          <p:nvPr/>
+        </p:nvSpPr>
+        <p:spPr>
+          <a:xfrm flipH="1">
+            <a:off x="582085" y="730525"/>
+            <a:ext cx="5384920" cy="510540"/>
+          </a:xfrm>
+          <a:prstGeom prst="rect"/>
+        </p:spPr>
+        <p:txBody>
+          <a:bodyPr rtlCol="0" wrap="square">
+            <a:spAutoFit/>
+          </a:bodyPr>
+          <a:p>
+            <a:r>
+              <a:rPr b="1" sz="2800" lang="en-US">
+                <a:solidFill>
+                  <a:srgbClr val="000000"/>
+                </a:solidFill>
+              </a:rPr>
+              <a:t>G</a:t>
+            </a:r>
+            <a:r>
+              <a:rPr b="1" sz="2800" lang="en-US">
+                <a:solidFill>
+                  <a:srgbClr val="000000"/>
+                </a:solidFill>
+              </a:rPr>
+              <a:t>I</a:t>
+            </a:r>
+            <a:r>
+              <a:rPr b="1" sz="2800" lang="en-US">
+                <a:solidFill>
+                  <a:srgbClr val="000000"/>
+                </a:solidFill>
+              </a:rPr>
+              <a:t>T</a:t>
+            </a:r>
+            <a:r>
+              <a:rPr b="1" sz="2800" lang="en-US">
+                <a:solidFill>
+                  <a:srgbClr val="000000"/>
+                </a:solidFill>
+              </a:rPr>
+              <a:t>H</a:t>
+            </a:r>
+            <a:r>
+              <a:rPr b="1" sz="2800" lang="en-US">
+                <a:solidFill>
+                  <a:srgbClr val="000000"/>
+                </a:solidFill>
+              </a:rPr>
+              <a:t>U</a:t>
+            </a:r>
+            <a:r>
+              <a:rPr b="1" sz="2800" lang="en-US">
+                <a:solidFill>
+                  <a:srgbClr val="000000"/>
+                </a:solidFill>
+              </a:rPr>
+              <a:t>B</a:t>
+            </a:r>
+            <a:r>
+              <a:rPr b="1" sz="2800" lang="en-US">
+                <a:solidFill>
+                  <a:srgbClr val="000000"/>
+                </a:solidFill>
+              </a:rPr>
+              <a:t> </a:t>
+            </a:r>
+            <a:r>
+              <a:rPr b="1" sz="2800" lang="en-US">
+                <a:solidFill>
+                  <a:srgbClr val="000000"/>
+                </a:solidFill>
+              </a:rPr>
+              <a:t>L</a:t>
+            </a:r>
+            <a:r>
+              <a:rPr b="1" sz="2800" lang="en-US">
+                <a:solidFill>
+                  <a:srgbClr val="000000"/>
+                </a:solidFill>
+              </a:rPr>
+              <a:t>I</a:t>
+            </a:r>
+            <a:r>
+              <a:rPr b="1" sz="2800" lang="en-US">
+                <a:solidFill>
+                  <a:srgbClr val="000000"/>
+                </a:solidFill>
+              </a:rPr>
+              <a:t>N</a:t>
+            </a:r>
+            <a:r>
+              <a:rPr b="1" sz="2800" lang="en-US">
+                <a:solidFill>
+                  <a:srgbClr val="000000"/>
+                </a:solidFill>
+              </a:rPr>
+              <a:t>K</a:t>
+            </a:r>
+            <a:r>
+              <a:rPr b="1" sz="2800" lang="en-US">
+                <a:solidFill>
+                  <a:srgbClr val="000000"/>
+                </a:solidFill>
+              </a:rPr>
+              <a:t> </a:t>
+            </a:r>
+            <a:r>
+              <a:rPr b="1" sz="2800" lang="en-US">
+                <a:solidFill>
+                  <a:srgbClr val="000000"/>
+                </a:solidFill>
+              </a:rPr>
+              <a:t>:</a:t>
+            </a:r>
+            <a:endParaRPr sz="2800" lang="en-IN">
+              <a:solidFill>
+                <a:srgbClr val="000000"/>
+              </a:solidFill>
             </a:endParaRPr>
           </a:p>
         </p:txBody>
@@ -9177,7 +9470,7 @@
         <p:spPr>
           <a:xfrm rot="0">
             <a:off x="739774" y="829626"/>
-            <a:ext cx="3909695" cy="664209"/>
+            <a:ext cx="7022644" cy="638811"/>
           </a:xfrm>
           <a:prstGeom prst="rect"/>
           <a:noFill/>
@@ -9214,10 +9507,10 @@
                 <a:ea typeface="宋体" pitchFamily="0" charset="0"/>
                 <a:cs typeface="Trebuchet MS" pitchFamily="0" charset="0"/>
               </a:rPr>
-              <a:t>PROJECT</a:t>
-            </a:r>
-            <a:r>
-              <a:rPr altLang="zh-CN" baseline="0" b="1" cap="none" sz="4250" i="0" kern="0" lang="en-US" spc="-85" strike="noStrike" u="none">
+              <a:t>S</a:t>
+            </a:r>
+            <a:r>
+              <a:rPr altLang="zh-CN" baseline="0" b="1" cap="none" sz="4250" i="0" kern="0" lang="en-US" spc="5" strike="noStrike" u="none">
                 <a:solidFill>
                   <a:schemeClr val="tx1"/>
                 </a:solidFill>
@@ -9225,10 +9518,54 @@
                 <a:ea typeface="宋体" pitchFamily="0" charset="0"/>
                 <a:cs typeface="Trebuchet MS" pitchFamily="0" charset="0"/>
               </a:rPr>
+              <a:t>T</a:t>
+            </a:r>
+            <a:r>
+              <a:rPr altLang="zh-CN" baseline="0" b="1" cap="none" sz="4250" i="0" kern="0" lang="en-US" spc="5" strike="noStrike" u="none">
+                <a:solidFill>
+                  <a:schemeClr val="tx1"/>
+                </a:solidFill>
+                <a:latin typeface="Trebuchet MS" pitchFamily="0" charset="0"/>
+                <a:ea typeface="宋体" pitchFamily="0" charset="0"/>
+                <a:cs typeface="Trebuchet MS" pitchFamily="0" charset="0"/>
+              </a:rPr>
+              <a:t>U</a:t>
+            </a:r>
+            <a:r>
+              <a:rPr altLang="zh-CN" baseline="0" b="1" cap="none" sz="4250" i="0" kern="0" lang="en-US" spc="5" strike="noStrike" u="none">
+                <a:solidFill>
+                  <a:schemeClr val="tx1"/>
+                </a:solidFill>
+                <a:latin typeface="Trebuchet MS" pitchFamily="0" charset="0"/>
+                <a:ea typeface="宋体" pitchFamily="0" charset="0"/>
+                <a:cs typeface="Trebuchet MS" pitchFamily="0" charset="0"/>
+              </a:rPr>
+              <a:t>D</a:t>
+            </a:r>
+            <a:r>
+              <a:rPr altLang="zh-CN" baseline="0" b="1" cap="none" sz="4250" i="0" kern="0" lang="en-US" spc="5" strike="noStrike" u="none">
+                <a:solidFill>
+                  <a:schemeClr val="tx1"/>
+                </a:solidFill>
+                <a:latin typeface="Trebuchet MS" pitchFamily="0" charset="0"/>
+                <a:ea typeface="宋体" pitchFamily="0" charset="0"/>
+                <a:cs typeface="Trebuchet MS" pitchFamily="0" charset="0"/>
+              </a:rPr>
+              <a:t>ENT</a:t>
+            </a:r>
+            <a:r>
+              <a:rPr altLang="zh-CN" baseline="0" b="1" cap="none" sz="4250" i="0" kern="0" lang="en-US" spc="5" strike="noStrike" u="none">
+                <a:solidFill>
+                  <a:schemeClr val="tx1"/>
+                </a:solidFill>
+                <a:latin typeface="Trebuchet MS" pitchFamily="0" charset="0"/>
+                <a:ea typeface="宋体" pitchFamily="0" charset="0"/>
+                <a:cs typeface="Trebuchet MS" pitchFamily="0" charset="0"/>
+              </a:rPr>
               <a:t> </a:t>
             </a:r>
             <a:r>
-              <a:rPr altLang="zh-CN" baseline="0" b="1" cap="none" sz="4250" i="0" kern="0" lang="en-US" spc="25" strike="noStrike" u="none">
+              <a:rPr altLang="zh-CN" baseline="0" b="1" cap="none" sz="4250" i="0" kern="0" lang="en-US" spc="5" strike="noStrike" u="none">
                 <a:solidFill>
                   <a:schemeClr val="tx1"/>
                 </a:solidFill>
@@ -9236,7 +9573,128 @@
                 <a:ea typeface="宋体" pitchFamily="0" charset="0"/>
                 <a:cs typeface="Trebuchet MS" pitchFamily="0" charset="0"/>
               </a:rPr>
-              <a:t>TITLE</a:t>
+              <a:t> </a:t>
+            </a:r>
+            <a:r>
+              <a:rPr altLang="zh-CN" baseline="0" b="1" cap="none" sz="4250" i="0" kern="0" lang="en-US" spc="5" strike="noStrike" u="none">
+                <a:solidFill>
+                  <a:schemeClr val="tx1"/>
+                </a:solidFill>
+                <a:latin typeface="Trebuchet MS" pitchFamily="0" charset="0"/>
+                <a:ea typeface="宋体" pitchFamily="0" charset="0"/>
+                <a:cs typeface="Trebuchet MS" pitchFamily="0" charset="0"/>
+              </a:rPr>
+              <a:t>P</a:t>
+            </a:r>
+            <a:r>
+              <a:rPr altLang="zh-CN" baseline="0" b="1" cap="none" sz="4250" i="0" kern="0" lang="en-US" spc="5" strike="noStrike" u="none">
+                <a:solidFill>
+                  <a:schemeClr val="tx1"/>
+                </a:solidFill>
+                <a:latin typeface="Trebuchet MS" pitchFamily="0" charset="0"/>
+                <a:ea typeface="宋体" pitchFamily="0" charset="0"/>
+                <a:cs typeface="Trebuchet MS" pitchFamily="0" charset="0"/>
+              </a:rPr>
+              <a:t>O</a:t>
+            </a:r>
+            <a:r>
+              <a:rPr altLang="zh-CN" baseline="0" b="1" cap="none" sz="4250" i="0" kern="0" lang="en-US" spc="5" strike="noStrike" u="none">
+                <a:solidFill>
+                  <a:schemeClr val="tx1"/>
+                </a:solidFill>
+                <a:latin typeface="Trebuchet MS" pitchFamily="0" charset="0"/>
+                <a:ea typeface="宋体" pitchFamily="0" charset="0"/>
+                <a:cs typeface="Trebuchet MS" pitchFamily="0" charset="0"/>
+              </a:rPr>
+              <a:t>R</a:t>
+            </a:r>
+            <a:r>
+              <a:rPr altLang="zh-CN" baseline="0" b="1" cap="none" sz="4250" i="0" kern="0" lang="en-US" spc="5" strike="noStrike" u="none">
+                <a:solidFill>
+                  <a:schemeClr val="tx1"/>
+                </a:solidFill>
+                <a:latin typeface="Trebuchet MS" pitchFamily="0" charset="0"/>
+                <a:ea typeface="宋体" pitchFamily="0" charset="0"/>
+                <a:cs typeface="Trebuchet MS" pitchFamily="0" charset="0"/>
+              </a:rPr>
+              <a:t>T</a:t>
+            </a:r>
+            <a:r>
+              <a:rPr altLang="zh-CN" baseline="0" b="1" cap="none" sz="4250" i="0" kern="0" lang="en-US" spc="5" strike="noStrike" u="none">
+                <a:solidFill>
+                  <a:schemeClr val="tx1"/>
+                </a:solidFill>
+                <a:latin typeface="Trebuchet MS" pitchFamily="0" charset="0"/>
+                <a:ea typeface="宋体" pitchFamily="0" charset="0"/>
+                <a:cs typeface="Trebuchet MS" pitchFamily="0" charset="0"/>
+              </a:rPr>
+              <a:t>F</a:t>
+            </a:r>
+            <a:r>
+              <a:rPr altLang="zh-CN" baseline="0" b="1" cap="none" sz="4250" i="0" kern="0" lang="en-US" spc="5" strike="noStrike" u="none">
+                <a:solidFill>
+                  <a:schemeClr val="tx1"/>
+                </a:solidFill>
+                <a:latin typeface="Trebuchet MS" pitchFamily="0" charset="0"/>
+                <a:ea typeface="宋体" pitchFamily="0" charset="0"/>
+                <a:cs typeface="Trebuchet MS" pitchFamily="0" charset="0"/>
+              </a:rPr>
+              <a:t>O</a:t>
+            </a:r>
+            <a:r>
+              <a:rPr altLang="zh-CN" baseline="0" b="1" cap="none" sz="4250" i="0" kern="0" lang="en-US" spc="5" strike="noStrike" u="none">
+                <a:solidFill>
+                  <a:schemeClr val="tx1"/>
+                </a:solidFill>
+                <a:latin typeface="Trebuchet MS" pitchFamily="0" charset="0"/>
+                <a:ea typeface="宋体" pitchFamily="0" charset="0"/>
+                <a:cs typeface="Trebuchet MS" pitchFamily="0" charset="0"/>
+              </a:rPr>
+              <a:t>L</a:t>
+            </a:r>
+            <a:r>
+              <a:rPr altLang="zh-CN" baseline="0" b="1" cap="none" sz="4250" i="0" kern="0" lang="en-US" spc="5" strike="noStrike" u="none">
+                <a:solidFill>
+                  <a:schemeClr val="tx1"/>
+                </a:solidFill>
+                <a:latin typeface="Trebuchet MS" pitchFamily="0" charset="0"/>
+                <a:ea typeface="宋体" pitchFamily="0" charset="0"/>
+                <a:cs typeface="Trebuchet MS" pitchFamily="0" charset="0"/>
+              </a:rPr>
+              <a:t>I</a:t>
+            </a:r>
+            <a:r>
+              <a:rPr altLang="zh-CN" baseline="0" b="1" cap="none" sz="4250" i="0" kern="0" lang="en-US" spc="5" strike="noStrike" u="none">
+                <a:solidFill>
+                  <a:schemeClr val="tx1"/>
+                </a:solidFill>
+                <a:latin typeface="Trebuchet MS" pitchFamily="0" charset="0"/>
+                <a:ea typeface="宋体" pitchFamily="0" charset="0"/>
+                <a:cs typeface="Trebuchet MS" pitchFamily="0" charset="0"/>
+              </a:rPr>
+              <a:t>O</a:t>
+            </a:r>
+            <a:r>
+              <a:rPr altLang="zh-CN" baseline="0" b="1" cap="none" sz="4250" i="0" kern="0" lang="en-US" spc="5" strike="noStrike" u="none">
+                <a:solidFill>
+                  <a:schemeClr val="tx1"/>
+                </a:solidFill>
+                <a:latin typeface="Trebuchet MS" pitchFamily="0" charset="0"/>
+                <a:ea typeface="宋体" pitchFamily="0" charset="0"/>
+                <a:cs typeface="Trebuchet MS" pitchFamily="0" charset="0"/>
+              </a:rPr>
+              <a:t> </a:t>
+            </a:r>
+            <a:r>
+              <a:rPr altLang="zh-CN" baseline="0" b="1" cap="none" sz="4250" i="0" kern="0" lang="en-US" spc="5" strike="noStrike" u="none">
+                <a:solidFill>
+                  <a:schemeClr val="tx1"/>
+                </a:solidFill>
+                <a:latin typeface="Trebuchet MS" pitchFamily="0" charset="0"/>
+                <a:ea typeface="宋体" pitchFamily="0" charset="0"/>
+                <a:cs typeface="Trebuchet MS" pitchFamily="0" charset="0"/>
+              </a:rPr>
+              <a:t>:</a:t>
             </a:r>
             <a:endParaRPr altLang="en-US" baseline="0" b="1" cap="none" sz="4250" i="0" kern="0" lang="zh-CN" spc="0" strike="noStrike" u="none">
               <a:solidFill>
@@ -11828,7 +12286,7 @@
     </p:bg>
     <p:spTree>
       <p:nvGrpSpPr>
-        <p:cNvPr id="47" name=""/>
+        <p:cNvPr id="50" name=""/>
         <p:cNvGrpSpPr/>
         <p:nvPr/>
       </p:nvGrpSpPr>
@@ -11842,7 +12300,7 @@
       </p:grpSpPr>
       <p:grpSp>
         <p:nvGrpSpPr>
-          <p:cNvPr id="48" name="组合"/>
+          <p:cNvPr id="51" name="组合"/>
           <p:cNvGrpSpPr/>
           <p:nvPr/>
         </p:nvGrpSpPr>
@@ -11856,7 +12314,7 @@
         </p:grpSpPr>
         <p:sp>
           <p:nvSpPr>
-            <p:cNvPr id="1048679" name="曲线"/>
+            <p:cNvPr id="1048688" name="曲线"/>
             <p:cNvSpPr/>
             <p:nvPr/>
           </p:nvSpPr>
@@ -11908,7 +12366,7 @@
         </p:sp>
         <p:sp>
           <p:nvSpPr>
-            <p:cNvPr id="1048680" name="曲线"/>
+            <p:cNvPr id="1048689" name="曲线"/>
             <p:cNvSpPr/>
             <p:nvPr/>
           </p:nvSpPr>
@@ -11960,7 +12418,7 @@
         </p:sp>
         <p:pic>
           <p:nvPicPr>
-            <p:cNvPr id="2097161" name="图片"/>
+            <p:cNvPr id="2097162" name="图片"/>
             <p:cNvPicPr>
               <a:picLocks/>
             </p:cNvPicPr>
@@ -11989,7 +12447,7 @@
       </p:grpSp>
       <p:sp>
         <p:nvSpPr>
-          <p:cNvPr id="1048681" name="曲线"/>
+          <p:cNvPr id="1048690" name="曲线"/>
           <p:cNvSpPr/>
           <p:nvPr/>
         </p:nvSpPr>
@@ -12041,7 +12499,7 @@
       </p:sp>
       <p:sp>
         <p:nvSpPr>
-          <p:cNvPr id="1048682" name="文本框"/>
+          <p:cNvPr id="1048691" name="文本框"/>
           <p:cNvSpPr>
             <a:spLocks noGrp="1"/>
           </p:cNvSpPr>
@@ -12118,7 +12576,7 @@
       </p:sp>
       <p:pic>
         <p:nvPicPr>
-          <p:cNvPr id="2097162" name="图片"/>
+          <p:cNvPr id="2097163" name="图片"/>
           <p:cNvPicPr>
             <a:picLocks/>
           </p:cNvPicPr>
@@ -12146,7 +12604,7 @@
       </p:pic>
       <p:sp>
         <p:nvSpPr>
-          <p:cNvPr id="1048683" name="文本框"/>
+          <p:cNvPr id="1048692" name="文本框"/>
           <p:cNvSpPr>
             <a:spLocks noGrp="1"/>
           </p:cNvSpPr>
@@ -12209,7 +12667,7 @@
       </p:sp>
       <p:sp>
         <p:nvSpPr>
-          <p:cNvPr id="1048684" name="文本框"/>
+          <p:cNvPr id="1048693" name="文本框"/>
           <p:cNvSpPr txBox="1"/>
           <p:nvPr/>
         </p:nvSpPr>
@@ -12268,7 +12726,7 @@
       </p:sp>
       <p:pic>
         <p:nvPicPr>
-          <p:cNvPr id="2097163" name="图片"/>
+          <p:cNvPr id="2097164" name="图片"/>
           <p:cNvPicPr>
             <a:picLocks noChangeAspect="1"/>
           </p:cNvPicPr>
@@ -12304,766 +12762,6 @@
 </file>
 
 <file path=ppt/slides/slide6.xml><?xml version="1.0" encoding="utf-8"?>
-<p:sld xmlns:a="http://schemas.openxmlformats.org/drawingml/2006/main" xmlns:r="http://schemas.openxmlformats.org/officeDocument/2006/relationships" xmlns:p="http://schemas.openxmlformats.org/presentationml/2006/main">
-  <p:cSld>
-    <p:bg>
-      <p:bgPr>
-        <a:solidFill>
-          <a:schemeClr val="bg1"/>
-        </a:solidFill>
-      </p:bgPr>
-    </p:bg>
-    <p:spTree>
-      <p:nvGrpSpPr>
-        <p:cNvPr id="51" name=""/>
-        <p:cNvGrpSpPr/>
-        <p:nvPr/>
-      </p:nvGrpSpPr>
-      <p:grpSpPr>
-        <a:xfrm>
-          <a:off x="0" y="0"/>
-          <a:ext cx="0" cy="0"/>
-          <a:chOff x="0" y="0"/>
-          <a:chExt cx="0" cy="0"/>
-        </a:xfrm>
-      </p:grpSpPr>
-      <p:sp>
-        <p:nvSpPr>
-          <p:cNvPr id="1048688" name="曲线"/>
-          <p:cNvSpPr/>
-          <p:nvPr/>
-        </p:nvSpPr>
-        <p:spPr>
-          <a:xfrm rot="0">
-            <a:off x="9353550" y="5362575"/>
-            <a:ext cx="457199" cy="457200"/>
-          </a:xfrm>
-          <a:custGeom>
-            <a:avLst/>
-            <a:gdLst>
-              <a:gd name="T1" fmla="*/ 0 w 21600"/>
-              <a:gd name="T2" fmla="*/ 0 h 21600"/>
-              <a:gd name="T3" fmla="*/ 21600 w 21600"/>
-              <a:gd name="T4" fmla="*/ 21600 h 21600"/>
-            </a:gdLst>
-            <a:ahLst/>
-            <a:rect l="T1" t="T2" r="T3" b="T4"/>
-            <a:pathLst>
-              <a:path w="21600" h="21600">
-                <a:moveTo>
-                  <a:pt x="21600" y="0"/>
-                </a:moveTo>
-                <a:lnTo>
-                  <a:pt x="0" y="0"/>
-                </a:lnTo>
-                <a:lnTo>
-                  <a:pt x="0" y="21600"/>
-                </a:lnTo>
-                <a:lnTo>
-                  <a:pt x="21600" y="21600"/>
-                </a:lnTo>
-                <a:lnTo>
-                  <a:pt x="21600" y="0"/>
-                </a:lnTo>
-                <a:close/>
-              </a:path>
-            </a:pathLst>
-          </a:custGeom>
-          <a:solidFill>
-            <a:srgbClr val="42AF51"/>
-          </a:solidFill>
-          <a:ln cap="flat" cmpd="sng">
-            <a:noFill/>
-            <a:prstDash val="solid"/>
-            <a:miter/>
-          </a:ln>
-        </p:spPr>
-      </p:sp>
-      <p:sp>
-        <p:nvSpPr>
-          <p:cNvPr id="1048689" name="曲线"/>
-          <p:cNvSpPr/>
-          <p:nvPr/>
-        </p:nvSpPr>
-        <p:spPr>
-          <a:xfrm rot="0">
-            <a:off x="6696075" y="1695450"/>
-            <a:ext cx="314324" cy="323850"/>
-          </a:xfrm>
-          <a:custGeom>
-            <a:avLst/>
-            <a:gdLst>
-              <a:gd name="T1" fmla="*/ 0 w 21600"/>
-              <a:gd name="T2" fmla="*/ 0 h 21600"/>
-              <a:gd name="T3" fmla="*/ 21600 w 21600"/>
-              <a:gd name="T4" fmla="*/ 21600 h 21600"/>
-            </a:gdLst>
-            <a:ahLst/>
-            <a:rect l="T1" t="T2" r="T3" b="T4"/>
-            <a:pathLst>
-              <a:path w="21600" h="21600">
-                <a:moveTo>
-                  <a:pt x="21600" y="0"/>
-                </a:moveTo>
-                <a:lnTo>
-                  <a:pt x="0" y="0"/>
-                </a:lnTo>
-                <a:lnTo>
-                  <a:pt x="0" y="21600"/>
-                </a:lnTo>
-                <a:lnTo>
-                  <a:pt x="21600" y="21600"/>
-                </a:lnTo>
-                <a:lnTo>
-                  <a:pt x="21600" y="0"/>
-                </a:lnTo>
-                <a:close/>
-              </a:path>
-            </a:pathLst>
-          </a:custGeom>
-          <a:solidFill>
-            <a:srgbClr val="2D83C3"/>
-          </a:solidFill>
-          <a:ln cap="flat" cmpd="sng">
-            <a:noFill/>
-            <a:prstDash val="solid"/>
-            <a:miter/>
-          </a:ln>
-        </p:spPr>
-      </p:sp>
-      <p:sp>
-        <p:nvSpPr>
-          <p:cNvPr id="1048690" name="曲线"/>
-          <p:cNvSpPr/>
-          <p:nvPr/>
-        </p:nvSpPr>
-        <p:spPr>
-          <a:xfrm rot="0">
-            <a:off x="9353550" y="5895975"/>
-            <a:ext cx="180975" cy="180975"/>
-          </a:xfrm>
-          <a:custGeom>
-            <a:avLst/>
-            <a:gdLst>
-              <a:gd name="T1" fmla="*/ 0 w 21600"/>
-              <a:gd name="T2" fmla="*/ 0 h 21600"/>
-              <a:gd name="T3" fmla="*/ 21600 w 21600"/>
-              <a:gd name="T4" fmla="*/ 21600 h 21600"/>
-            </a:gdLst>
-            <a:ahLst/>
-            <a:rect l="T1" t="T2" r="T3" b="T4"/>
-            <a:pathLst>
-              <a:path w="21600" h="21600">
-                <a:moveTo>
-                  <a:pt x="21600" y="0"/>
-                </a:moveTo>
-                <a:lnTo>
-                  <a:pt x="0" y="0"/>
-                </a:lnTo>
-                <a:lnTo>
-                  <a:pt x="0" y="21600"/>
-                </a:lnTo>
-                <a:lnTo>
-                  <a:pt x="21600" y="21600"/>
-                </a:lnTo>
-                <a:lnTo>
-                  <a:pt x="21600" y="0"/>
-                </a:lnTo>
-                <a:close/>
-              </a:path>
-            </a:pathLst>
-          </a:custGeom>
-          <a:solidFill>
-            <a:srgbClr val="2D936B"/>
-          </a:solidFill>
-          <a:ln cap="flat" cmpd="sng">
-            <a:noFill/>
-            <a:prstDash val="solid"/>
-            <a:miter/>
-          </a:ln>
-        </p:spPr>
-      </p:sp>
-      <p:sp>
-        <p:nvSpPr>
-          <p:cNvPr id="1048691" name="文本框"/>
-          <p:cNvSpPr>
-            <a:spLocks noGrp="1"/>
-          </p:cNvSpPr>
-          <p:nvPr>
-            <p:ph type="title"/>
-          </p:nvPr>
-        </p:nvSpPr>
-        <p:spPr>
-          <a:xfrm rot="0">
-            <a:off x="699452" y="891793"/>
-            <a:ext cx="5014595" cy="502284"/>
-          </a:xfrm>
-          <a:prstGeom prst="rect"/>
-          <a:noFill/>
-          <a:ln w="12700" cap="flat" cmpd="sng">
-            <a:noFill/>
-            <a:prstDash val="solid"/>
-            <a:miter/>
-          </a:ln>
-        </p:spPr>
-        <p:txBody>
-          <a:bodyPr anchor="t" anchorCtr="0" bIns="0" lIns="0" rIns="0" tIns="16510" vert="horz" wrap="square">
-            <a:prstTxWarp prst="textNoShape"/>
-            <a:spAutoFit/>
-          </a:bodyPr>
-          <a:p>
-            <a:pPr algn="l" indent="0" marL="12700">
-              <a:lnSpc>
-                <a:spcPct val="100000"/>
-              </a:lnSpc>
-              <a:spcBef>
-                <a:spcPts val="130"/>
-              </a:spcBef>
-              <a:spcAft>
-                <a:spcPts val="0"/>
-              </a:spcAft>
-              <a:buNone/>
-            </a:pPr>
-            <a:r>
-              <a:rPr altLang="zh-CN" baseline="0" b="1" cap="none" sz="3200" i="0" kern="0" lang="en-US" spc="25" strike="noStrike" u="none">
-                <a:solidFill>
-                  <a:schemeClr val="tx1"/>
-                </a:solidFill>
-                <a:latin typeface="Trebuchet MS" pitchFamily="0" charset="0"/>
-                <a:ea typeface="宋体" pitchFamily="0" charset="0"/>
-                <a:cs typeface="Trebuchet MS" pitchFamily="0" charset="0"/>
-              </a:rPr>
-              <a:t>W</a:t>
-            </a:r>
-            <a:r>
-              <a:rPr altLang="zh-CN" baseline="0" b="1" cap="none" sz="3200" i="0" kern="0" lang="en-US" spc="-20" strike="noStrike" u="none">
-                <a:solidFill>
-                  <a:schemeClr val="tx1"/>
-                </a:solidFill>
-                <a:latin typeface="Trebuchet MS" pitchFamily="0" charset="0"/>
-                <a:ea typeface="宋体" pitchFamily="0" charset="0"/>
-                <a:cs typeface="Trebuchet MS" pitchFamily="0" charset="0"/>
-              </a:rPr>
-              <a:t>H</a:t>
-            </a:r>
-            <a:r>
-              <a:rPr altLang="zh-CN" baseline="0" b="1" cap="none" sz="3200" i="0" kern="0" lang="en-US" spc="20" strike="noStrike" u="none">
-                <a:solidFill>
-                  <a:schemeClr val="tx1"/>
-                </a:solidFill>
-                <a:latin typeface="Trebuchet MS" pitchFamily="0" charset="0"/>
-                <a:ea typeface="宋体" pitchFamily="0" charset="0"/>
-                <a:cs typeface="Trebuchet MS" pitchFamily="0" charset="0"/>
-              </a:rPr>
-              <a:t>O</a:t>
-            </a:r>
-            <a:r>
-              <a:rPr altLang="zh-CN" baseline="0" b="1" cap="none" sz="3200" i="0" kern="0" lang="en-US" spc="-235" strike="noStrike" u="none">
-                <a:solidFill>
-                  <a:schemeClr val="tx1"/>
-                </a:solidFill>
-                <a:latin typeface="Trebuchet MS" pitchFamily="0" charset="0"/>
-                <a:ea typeface="宋体" pitchFamily="0" charset="0"/>
-                <a:cs typeface="Trebuchet MS" pitchFamily="0" charset="0"/>
-              </a:rPr>
-              <a:t> </a:t>
-            </a:r>
-            <a:r>
-              <a:rPr altLang="zh-CN" baseline="0" b="1" cap="none" sz="3200" i="0" kern="0" lang="en-US" spc="-10" strike="noStrike" u="none">
-                <a:solidFill>
-                  <a:schemeClr val="tx1"/>
-                </a:solidFill>
-                <a:latin typeface="Trebuchet MS" pitchFamily="0" charset="0"/>
-                <a:ea typeface="宋体" pitchFamily="0" charset="0"/>
-                <a:cs typeface="Trebuchet MS" pitchFamily="0" charset="0"/>
-              </a:rPr>
-              <a:t>AR</a:t>
-            </a:r>
-            <a:r>
-              <a:rPr altLang="zh-CN" baseline="0" b="1" cap="none" sz="3200" i="0" kern="0" lang="en-US" spc="15" strike="noStrike" u="none">
-                <a:solidFill>
-                  <a:schemeClr val="tx1"/>
-                </a:solidFill>
-                <a:latin typeface="Trebuchet MS" pitchFamily="0" charset="0"/>
-                <a:ea typeface="宋体" pitchFamily="0" charset="0"/>
-                <a:cs typeface="Trebuchet MS" pitchFamily="0" charset="0"/>
-              </a:rPr>
-              <a:t>E</a:t>
-            </a:r>
-            <a:r>
-              <a:rPr altLang="zh-CN" baseline="0" b="1" cap="none" sz="3200" i="0" kern="0" lang="en-US" spc="-35" strike="noStrike" u="none">
-                <a:solidFill>
-                  <a:schemeClr val="tx1"/>
-                </a:solidFill>
-                <a:latin typeface="Trebuchet MS" pitchFamily="0" charset="0"/>
-                <a:ea typeface="宋体" pitchFamily="0" charset="0"/>
-                <a:cs typeface="Trebuchet MS" pitchFamily="0" charset="0"/>
-              </a:rPr>
-              <a:t> </a:t>
-            </a:r>
-            <a:r>
-              <a:rPr altLang="zh-CN" baseline="0" b="1" cap="none" sz="3200" i="0" kern="0" lang="en-US" spc="-10" strike="noStrike" u="none">
-                <a:solidFill>
-                  <a:schemeClr val="tx1"/>
-                </a:solidFill>
-                <a:latin typeface="Trebuchet MS" pitchFamily="0" charset="0"/>
-                <a:ea typeface="宋体" pitchFamily="0" charset="0"/>
-                <a:cs typeface="Trebuchet MS" pitchFamily="0" charset="0"/>
-              </a:rPr>
-              <a:t>T</a:t>
-            </a:r>
-            <a:r>
-              <a:rPr altLang="zh-CN" baseline="0" b="1" cap="none" sz="3200" i="0" kern="0" lang="en-US" spc="-15" strike="noStrike" u="none">
-                <a:solidFill>
-                  <a:schemeClr val="tx1"/>
-                </a:solidFill>
-                <a:latin typeface="Trebuchet MS" pitchFamily="0" charset="0"/>
-                <a:ea typeface="宋体" pitchFamily="0" charset="0"/>
-                <a:cs typeface="Trebuchet MS" pitchFamily="0" charset="0"/>
-              </a:rPr>
-              <a:t>H</a:t>
-            </a:r>
-            <a:r>
-              <a:rPr altLang="zh-CN" baseline="0" b="1" cap="none" sz="3200" i="0" kern="0" lang="en-US" spc="15" strike="noStrike" u="none">
-                <a:solidFill>
-                  <a:schemeClr val="tx1"/>
-                </a:solidFill>
-                <a:latin typeface="Trebuchet MS" pitchFamily="0" charset="0"/>
-                <a:ea typeface="宋体" pitchFamily="0" charset="0"/>
-                <a:cs typeface="Trebuchet MS" pitchFamily="0" charset="0"/>
-              </a:rPr>
-              <a:t>E</a:t>
-            </a:r>
-            <a:r>
-              <a:rPr altLang="zh-CN" baseline="0" b="1" cap="none" sz="3200" i="0" kern="0" lang="en-US" spc="-35" strike="noStrike" u="none">
-                <a:solidFill>
-                  <a:schemeClr val="tx1"/>
-                </a:solidFill>
-                <a:latin typeface="Trebuchet MS" pitchFamily="0" charset="0"/>
-                <a:ea typeface="宋体" pitchFamily="0" charset="0"/>
-                <a:cs typeface="Trebuchet MS" pitchFamily="0" charset="0"/>
-              </a:rPr>
-              <a:t> </a:t>
-            </a:r>
-            <a:r>
-              <a:rPr altLang="zh-CN" baseline="0" b="1" cap="none" sz="3200" i="0" kern="0" lang="en-US" spc="-20" strike="noStrike" u="none">
-                <a:solidFill>
-                  <a:schemeClr val="tx1"/>
-                </a:solidFill>
-                <a:latin typeface="Trebuchet MS" pitchFamily="0" charset="0"/>
-                <a:ea typeface="宋体" pitchFamily="0" charset="0"/>
-                <a:cs typeface="Trebuchet MS" pitchFamily="0" charset="0"/>
-              </a:rPr>
-              <a:t>E</a:t>
-            </a:r>
-            <a:r>
-              <a:rPr altLang="zh-CN" baseline="0" b="1" cap="none" sz="3200" i="0" kern="0" lang="en-US" spc="30" strike="noStrike" u="none">
-                <a:solidFill>
-                  <a:schemeClr val="tx1"/>
-                </a:solidFill>
-                <a:latin typeface="Trebuchet MS" pitchFamily="0" charset="0"/>
-                <a:ea typeface="宋体" pitchFamily="0" charset="0"/>
-                <a:cs typeface="Trebuchet MS" pitchFamily="0" charset="0"/>
-              </a:rPr>
-              <a:t>N</a:t>
-            </a:r>
-            <a:r>
-              <a:rPr altLang="zh-CN" baseline="0" b="1" cap="none" sz="3200" i="0" kern="0" lang="en-US" spc="15" strike="noStrike" u="none">
-                <a:solidFill>
-                  <a:schemeClr val="tx1"/>
-                </a:solidFill>
-                <a:latin typeface="Trebuchet MS" pitchFamily="0" charset="0"/>
-                <a:ea typeface="宋体" pitchFamily="0" charset="0"/>
-                <a:cs typeface="Trebuchet MS" pitchFamily="0" charset="0"/>
-              </a:rPr>
-              <a:t>D</a:t>
-            </a:r>
-            <a:r>
-              <a:rPr altLang="zh-CN" baseline="0" b="1" cap="none" sz="3200" i="0" kern="0" lang="en-US" spc="-45" strike="noStrike" u="none">
-                <a:solidFill>
-                  <a:schemeClr val="tx1"/>
-                </a:solidFill>
-                <a:latin typeface="Trebuchet MS" pitchFamily="0" charset="0"/>
-                <a:ea typeface="宋体" pitchFamily="0" charset="0"/>
-                <a:cs typeface="Trebuchet MS" pitchFamily="0" charset="0"/>
-              </a:rPr>
-              <a:t> </a:t>
-            </a:r>
-            <a:r>
-              <a:rPr altLang="zh-CN" baseline="0" b="1" cap="none" sz="3200" i="0" kern="0" lang="en-US" spc="0" strike="noStrike" u="none">
-                <a:solidFill>
-                  <a:schemeClr val="tx1"/>
-                </a:solidFill>
-                <a:latin typeface="Trebuchet MS" pitchFamily="0" charset="0"/>
-                <a:ea typeface="宋体" pitchFamily="0" charset="0"/>
-                <a:cs typeface="Trebuchet MS" pitchFamily="0" charset="0"/>
-              </a:rPr>
-              <a:t>U</a:t>
-            </a:r>
-            <a:r>
-              <a:rPr altLang="zh-CN" baseline="0" b="1" cap="none" sz="3200" i="0" kern="0" lang="en-US" spc="10" strike="noStrike" u="none">
-                <a:solidFill>
-                  <a:schemeClr val="tx1"/>
-                </a:solidFill>
-                <a:latin typeface="Trebuchet MS" pitchFamily="0" charset="0"/>
-                <a:ea typeface="宋体" pitchFamily="0" charset="0"/>
-                <a:cs typeface="Trebuchet MS" pitchFamily="0" charset="0"/>
-              </a:rPr>
-              <a:t>S</a:t>
-            </a:r>
-            <a:r>
-              <a:rPr altLang="zh-CN" baseline="0" b="1" cap="none" sz="3200" i="0" kern="0" lang="en-US" spc="-25" strike="noStrike" u="none">
-                <a:solidFill>
-                  <a:schemeClr val="tx1"/>
-                </a:solidFill>
-                <a:latin typeface="Trebuchet MS" pitchFamily="0" charset="0"/>
-                <a:ea typeface="宋体" pitchFamily="0" charset="0"/>
-                <a:cs typeface="Trebuchet MS" pitchFamily="0" charset="0"/>
-              </a:rPr>
-              <a:t>E</a:t>
-            </a:r>
-            <a:r>
-              <a:rPr altLang="zh-CN" baseline="0" b="1" cap="none" sz="3200" i="0" kern="0" lang="en-US" spc="-10" strike="noStrike" u="none">
-                <a:solidFill>
-                  <a:schemeClr val="tx1"/>
-                </a:solidFill>
-                <a:latin typeface="Trebuchet MS" pitchFamily="0" charset="0"/>
-                <a:ea typeface="宋体" pitchFamily="0" charset="0"/>
-                <a:cs typeface="Trebuchet MS" pitchFamily="0" charset="0"/>
-              </a:rPr>
-              <a:t>R</a:t>
-            </a:r>
-            <a:r>
-              <a:rPr altLang="zh-CN" baseline="0" b="1" cap="none" sz="3200" i="0" kern="0" lang="en-US" spc="5" strike="noStrike" u="none">
-                <a:solidFill>
-                  <a:schemeClr val="tx1"/>
-                </a:solidFill>
-                <a:latin typeface="Trebuchet MS" pitchFamily="0" charset="0"/>
-                <a:ea typeface="宋体" pitchFamily="0" charset="0"/>
-                <a:cs typeface="Trebuchet MS" pitchFamily="0" charset="0"/>
-              </a:rPr>
-              <a:t>S?</a:t>
-            </a:r>
-            <a:endParaRPr altLang="en-US" baseline="0" b="1" cap="none" sz="3200" i="0" kern="0" lang="zh-CN" spc="0" strike="noStrike" u="none">
-              <a:solidFill>
-                <a:schemeClr val="tx1"/>
-              </a:solidFill>
-              <a:latin typeface="Trebuchet MS" pitchFamily="0" charset="0"/>
-              <a:ea typeface="宋体" pitchFamily="0" charset="0"/>
-              <a:cs typeface="Trebuchet MS" pitchFamily="0" charset="0"/>
-            </a:endParaRPr>
-          </a:p>
-        </p:txBody>
-      </p:sp>
-      <p:pic>
-        <p:nvPicPr>
-          <p:cNvPr id="2097164" name="图片"/>
-          <p:cNvPicPr>
-            <a:picLocks/>
-          </p:cNvPicPr>
-          <p:nvPr/>
-        </p:nvPicPr>
-        <p:blipFill>
-          <a:blip xmlns:r="http://schemas.openxmlformats.org/officeDocument/2006/relationships" cstate="print"/>
-          <a:stretch>
-            <a:fillRect/>
-          </a:stretch>
-        </p:blipFill>
-        <p:spPr>
-          <a:xfrm rot="0">
-            <a:off x="723900" y="6172200"/>
-            <a:ext cx="2181225" cy="485775"/>
-          </a:xfrm>
-          <a:prstGeom prst="rect"/>
-          <a:noFill/>
-          <a:ln w="12700" cap="flat" cmpd="sng">
-            <a:noFill/>
-            <a:prstDash val="solid"/>
-            <a:miter/>
-          </a:ln>
-        </p:spPr>
-      </p:pic>
-      <p:sp>
-        <p:nvSpPr>
-          <p:cNvPr id="1048692" name="文本框"/>
-          <p:cNvSpPr>
-            <a:spLocks noGrp="1"/>
-          </p:cNvSpPr>
-          <p:nvPr>
-            <p:ph type="sldNum" idx="7"/>
-          </p:nvPr>
-        </p:nvSpPr>
-        <p:spPr>
-          <a:xfrm rot="0">
-            <a:off x="11353418" y="6473336"/>
-            <a:ext cx="151129" cy="168909"/>
-          </a:xfrm>
-          <a:prstGeom prst="rect"/>
-          <a:noFill/>
-          <a:ln cap="flat" cmpd="sng">
-            <a:noFill/>
-            <a:prstDash val="solid"/>
-            <a:miter/>
-          </a:ln>
-        </p:spPr>
-        <p:txBody>
-          <a:bodyPr anchor="t" anchorCtr="0" bIns="0" lIns="0" rIns="0" tIns="6985" vert="horz" wrap="square">
-            <a:prstTxWarp prst="textNoShape"/>
-            <a:spAutoFit/>
-          </a:bodyPr>
-          <a:p>
-            <a:pPr algn="l" indent="0" marL="38100">
-              <a:lnSpc>
-                <a:spcPct val="100000"/>
-              </a:lnSpc>
-              <a:spcBef>
-                <a:spcPts val="55"/>
-              </a:spcBef>
-              <a:spcAft>
-                <a:spcPts val="0"/>
-              </a:spcAft>
-              <a:buNone/>
-            </a:pPr>
-            <a:fld id="{CAD2D6BD-DE1B-4B5F-8B41-2702339687B9}" type="slidenum">
-              <a:rPr altLang="zh-CN" baseline="0" b="0" cap="none" sz="1100" i="0" kern="1200" lang="en-US" spc="10" strike="noStrike" u="none">
-                <a:solidFill>
-                  <a:srgbClr val="2D936B"/>
-                </a:solidFill>
-                <a:latin typeface="Trebuchet MS" pitchFamily="0" charset="0"/>
-                <a:ea typeface="宋体" pitchFamily="0" charset="0"/>
-                <a:cs typeface="Trebuchet MS" pitchFamily="0" charset="0"/>
-              </a:rPr>
-              <a:t>6</a:t>
-            </a:fld>
-            <a:endParaRPr altLang="en-US" baseline="0" b="0" cap="none" sz="1100" i="0" kern="1200" lang="zh-CN" spc="10" strike="noStrike" u="none">
-              <a:solidFill>
-                <a:srgbClr val="2D936B"/>
-              </a:solidFill>
-              <a:latin typeface="Trebuchet MS" pitchFamily="0" charset="0"/>
-              <a:ea typeface="宋体" pitchFamily="0" charset="0"/>
-              <a:cs typeface="Trebuchet MS" pitchFamily="0" charset="0"/>
-            </a:endParaRPr>
-          </a:p>
-        </p:txBody>
-      </p:sp>
-      <p:sp>
-        <p:nvSpPr>
-          <p:cNvPr id="1048693" name="文本框"/>
-          <p:cNvSpPr txBox="1"/>
-          <p:nvPr/>
-        </p:nvSpPr>
-        <p:spPr>
-          <a:xfrm rot="0">
-            <a:off x="1057258" y="1266805"/>
-            <a:ext cx="4762427" cy="3025140"/>
-          </a:xfrm>
-          <a:prstGeom prst="rect"/>
-          <a:noFill/>
-          <a:ln w="12700" cap="flat" cmpd="sng">
-            <a:noFill/>
-            <a:prstDash val="solid"/>
-            <a:miter/>
-          </a:ln>
-        </p:spPr>
-        <p:txBody>
-          <a:bodyPr anchor="t" anchorCtr="0" bIns="45720" lIns="91440" rIns="91440" tIns="45720" vert="horz" wrap="square">
-            <a:prstTxWarp prst="textNoShape"/>
-            <a:spAutoFit/>
-          </a:bodyPr>
-          <a:p>
-            <a:pPr algn="l" indent="0" marL="0">
-              <a:lnSpc>
-                <a:spcPct val="100000"/>
-              </a:lnSpc>
-              <a:spcBef>
-                <a:spcPts val="0"/>
-              </a:spcBef>
-              <a:spcAft>
-                <a:spcPts val="0"/>
-              </a:spcAft>
-              <a:buNone/>
-            </a:pPr>
-            <a:endParaRPr altLang="zh-CN" baseline="0" b="0" cap="none" sz="1800" i="0" kern="1200" lang="en-US" spc="0" strike="noStrike" u="none">
-              <a:solidFill>
-                <a:schemeClr val="tx1"/>
-              </a:solidFill>
-              <a:latin typeface="Droid Sans" pitchFamily="0" charset="0"/>
-              <a:ea typeface="宋体" pitchFamily="0" charset="0"/>
-              <a:cs typeface="Lucida Sans"/>
-            </a:endParaRPr>
-          </a:p>
-          <a:p>
-            <a:pPr algn="l" indent="0" marL="0">
-              <a:lnSpc>
-                <a:spcPct val="100000"/>
-              </a:lnSpc>
-              <a:spcBef>
-                <a:spcPts val="0"/>
-              </a:spcBef>
-              <a:spcAft>
-                <a:spcPts val="0"/>
-              </a:spcAft>
-              <a:buNone/>
-            </a:pPr>
-            <a:endParaRPr altLang="zh-CN" baseline="0" b="0" cap="none" sz="1800" i="0" kern="1200" lang="en-US" spc="0" strike="noStrike" u="none">
-              <a:solidFill>
-                <a:schemeClr val="tx1"/>
-              </a:solidFill>
-              <a:latin typeface="Droid Sans" pitchFamily="0" charset="0"/>
-              <a:ea typeface="宋体" pitchFamily="0" charset="0"/>
-              <a:cs typeface="Lucida Sans"/>
-            </a:endParaRPr>
-          </a:p>
-          <a:p>
-            <a:pPr algn="l" indent="0" marL="0">
-              <a:lnSpc>
-                <a:spcPct val="100000"/>
-              </a:lnSpc>
-              <a:spcBef>
-                <a:spcPts val="0"/>
-              </a:spcBef>
-              <a:spcAft>
-                <a:spcPts val="0"/>
-              </a:spcAft>
-              <a:buNone/>
-            </a:pPr>
-            <a:endParaRPr altLang="zh-CN" baseline="0" b="0" cap="none" sz="1800" i="0" kern="1200" lang="en-US" spc="0" strike="noStrike" u="none">
-              <a:solidFill>
-                <a:schemeClr val="tx1"/>
-              </a:solidFill>
-              <a:latin typeface="Droid Sans" pitchFamily="0" charset="0"/>
-              <a:ea typeface="宋体" pitchFamily="0" charset="0"/>
-              <a:cs typeface="Lucida Sans"/>
-            </a:endParaRPr>
-          </a:p>
-          <a:p>
-            <a:pPr algn="l" indent="0" marL="0">
-              <a:lnSpc>
-                <a:spcPct val="100000"/>
-              </a:lnSpc>
-              <a:spcBef>
-                <a:spcPts val="0"/>
-              </a:spcBef>
-              <a:spcAft>
-                <a:spcPts val="0"/>
-              </a:spcAft>
-              <a:buNone/>
-            </a:pPr>
-            <a:endParaRPr altLang="zh-CN" baseline="0" b="0" cap="none" sz="1800" i="0" kern="1200" lang="en-US" spc="0" strike="noStrike" u="none">
-              <a:solidFill>
-                <a:schemeClr val="tx1"/>
-              </a:solidFill>
-              <a:latin typeface="Droid Sans" pitchFamily="0" charset="0"/>
-              <a:ea typeface="宋体" pitchFamily="0" charset="0"/>
-              <a:cs typeface="Lucida Sans"/>
-            </a:endParaRPr>
-          </a:p>
-          <a:p>
-            <a:pPr algn="l" indent="0" marL="0">
-              <a:lnSpc>
-                <a:spcPct val="100000"/>
-              </a:lnSpc>
-              <a:spcBef>
-                <a:spcPts val="0"/>
-              </a:spcBef>
-              <a:spcAft>
-                <a:spcPts val="0"/>
-              </a:spcAft>
-              <a:buNone/>
-            </a:pPr>
-            <a:r>
-              <a:rPr altLang="zh-CN" baseline="0" b="0" cap="none" sz="1800" i="0" kern="1200" lang="en-US" spc="0" strike="noStrike" u="none">
-                <a:solidFill>
-                  <a:schemeClr val="tx1"/>
-                </a:solidFill>
-                <a:latin typeface="Droid Sans" pitchFamily="0" charset="0"/>
-                <a:ea typeface="宋体" pitchFamily="0" charset="0"/>
-                <a:cs typeface="Lucida Sans"/>
-              </a:rPr>
-              <a:t> How to Build Scalable Solutions</a:t>
-            </a:r>
-            <a:endParaRPr altLang="zh-CN" baseline="0" b="0" cap="none" sz="1800" i="0" kern="1200" lang="en-US" spc="0" strike="noStrike" u="none">
-              <a:solidFill>
-                <a:schemeClr val="tx1"/>
-              </a:solidFill>
-              <a:latin typeface="Droid Sans" pitchFamily="0" charset="0"/>
-              <a:ea typeface="宋体" pitchFamily="0" charset="0"/>
-              <a:cs typeface="Lucida Sans"/>
-            </a:endParaRPr>
-          </a:p>
-          <a:p>
-            <a:pPr algn="l" indent="0" marL="0">
-              <a:lnSpc>
-                <a:spcPct val="100000"/>
-              </a:lnSpc>
-              <a:spcBef>
-                <a:spcPts val="0"/>
-              </a:spcBef>
-              <a:spcAft>
-                <a:spcPts val="0"/>
-              </a:spcAft>
-              <a:buNone/>
-            </a:pPr>
-            <a:r>
-              <a:rPr altLang="zh-CN" baseline="0" b="0" cap="none" sz="1800" i="0" kern="1200" lang="en-US" spc="0" strike="noStrike" u="none">
-                <a:solidFill>
-                  <a:schemeClr val="tx1"/>
-                </a:solidFill>
-                <a:latin typeface="Droid Sans" pitchFamily="0" charset="0"/>
-                <a:ea typeface="宋体" pitchFamily="0" charset="0"/>
-                <a:cs typeface="Lucida Sans"/>
-              </a:rPr>
-              <a:t>End users engage with data analytics platforms to explore data, generate insights, and make informed decisions by using tools to create custom queries, perform aggregations, and visualize data through dashboards, charts, and graphs</a:t>
-            </a:r>
-            <a:endParaRPr altLang="en-US" baseline="0" b="0" cap="none" sz="1800" i="0" kern="1200" lang="zh-CN" spc="0" strike="noStrike" u="none">
-              <a:solidFill>
-                <a:schemeClr val="tx1"/>
-              </a:solidFill>
-              <a:latin typeface="Droid Sans" pitchFamily="0" charset="0"/>
-              <a:ea typeface="宋体" pitchFamily="0" charset="0"/>
-              <a:cs typeface="Lucida Sans"/>
-            </a:endParaRPr>
-          </a:p>
-        </p:txBody>
-      </p:sp>
-      <p:pic>
-        <p:nvPicPr>
-          <p:cNvPr id="2097165" name="图片"/>
-          <p:cNvPicPr>
-            <a:picLocks noChangeAspect="1"/>
-          </p:cNvPicPr>
-          <p:nvPr/>
-        </p:nvPicPr>
-        <p:blipFill>
-          <a:blip xmlns:r="http://schemas.openxmlformats.org/officeDocument/2006/relationships" r:embed="rId1" cstate="print"/>
-          <a:srcRect t="10264" b="61102"/>
-          <a:stretch>
-            <a:fillRect/>
-          </a:stretch>
-        </p:blipFill>
-        <p:spPr>
-          <a:xfrm rot="0">
-            <a:off x="4371908" y="4940977"/>
-            <a:ext cx="2828882" cy="1799972"/>
-          </a:xfrm>
-          <a:prstGeom prst="rect"/>
-          <a:noFill/>
-          <a:ln w="12700" cap="flat" cmpd="sng">
-            <a:noFill/>
-            <a:prstDash val="solid"/>
-            <a:miter/>
-          </a:ln>
-        </p:spPr>
-      </p:pic>
-    </p:spTree>
-  </p:cSld>
-  <p:clrMapOvr>
-    <a:masterClrMapping/>
-  </p:clrMapOvr>
-</p:sld>
-</file>
-
-<file path=ppt/slides/slide7.xml><?xml version="1.0" encoding="utf-8"?>
 <p:sld xmlns:a="http://schemas.openxmlformats.org/drawingml/2006/main" xmlns:r="http://schemas.openxmlformats.org/officeDocument/2006/relationships" xmlns:p="http://schemas.openxmlformats.org/presentationml/2006/main">
   <p:cSld>
     <p:bg>
@@ -13087,34 +12785,6 @@
           <a:chExt cx="0" cy="0"/>
         </a:xfrm>
       </p:grpSpPr>
-      <p:pic>
-        <p:nvPicPr>
-          <p:cNvPr id="2097166" name="图片"/>
-          <p:cNvPicPr>
-            <a:picLocks/>
-          </p:cNvPicPr>
-          <p:nvPr/>
-        </p:nvPicPr>
-        <p:blipFill>
-          <a:blip xmlns:r="http://schemas.openxmlformats.org/officeDocument/2006/relationships" cstate="print"/>
-          <a:stretch>
-            <a:fillRect/>
-          </a:stretch>
-        </p:blipFill>
-        <p:spPr>
-          <a:xfrm rot="0">
-            <a:off x="0" y="1476375"/>
-            <a:ext cx="2695574" cy="3248025"/>
-          </a:xfrm>
-          <a:prstGeom prst="rect"/>
-          <a:noFill/>
-          <a:ln w="12700" cap="flat" cmpd="sng">
-            <a:noFill/>
-            <a:prstDash val="solid"/>
-            <a:miter/>
-          </a:ln>
-        </p:spPr>
-      </p:pic>
       <p:sp>
         <p:nvSpPr>
           <p:cNvPr id="1048697" name="曲线"/>
@@ -13283,8 +12953,8 @@
         </p:nvSpPr>
         <p:spPr>
           <a:xfrm rot="0">
-            <a:off x="558165" y="857885"/>
-            <a:ext cx="9763125" cy="556260"/>
+            <a:off x="699452" y="891793"/>
+            <a:ext cx="5014595" cy="502284"/>
           </a:xfrm>
           <a:prstGeom prst="rect"/>
           <a:noFill/>
@@ -13295,7 +12965,7 @@
           </a:ln>
         </p:spPr>
         <p:txBody>
-          <a:bodyPr anchor="t" anchorCtr="0" bIns="0" lIns="0" rIns="0" tIns="13334" vert="horz" wrap="square">
+          <a:bodyPr anchor="t" anchorCtr="0" bIns="0" lIns="0" rIns="0" tIns="16510" vert="horz" wrap="square">
             <a:prstTxWarp prst="textNoShape"/>
             <a:spAutoFit/>
           </a:bodyPr>
@@ -13305,7 +12975,7 @@
                 <a:spcPct val="100000"/>
               </a:lnSpc>
               <a:spcBef>
-                <a:spcPts val="104"/>
+                <a:spcPts val="130"/>
               </a:spcBef>
               <a:spcAft>
                 <a:spcPts val="0"/>
@@ -13313,7 +12983,7 @@
               <a:buNone/>
             </a:pPr>
             <a:r>
-              <a:rPr altLang="zh-CN" baseline="0" b="1" cap="none" sz="3600" i="0" kern="0" lang="en-US" spc="10" strike="noStrike" u="none">
+              <a:rPr altLang="zh-CN" baseline="0" b="1" cap="none" sz="3200" i="0" kern="0" lang="en-US" spc="25" strike="noStrike" u="none">
                 <a:solidFill>
                   <a:schemeClr val="tx1"/>
                 </a:solidFill>
@@ -13321,9 +12991,218 @@
                 <a:ea typeface="宋体" pitchFamily="0" charset="0"/>
                 <a:cs typeface="Trebuchet MS" pitchFamily="0" charset="0"/>
               </a:rPr>
-              <a:t>TOOLS AND TECHNIQUES</a:t>
-            </a:r>
-            <a:endParaRPr altLang="en-US" baseline="0" b="1" cap="none" sz="3600" i="0" kern="0" lang="zh-CN" spc="0" strike="noStrike" u="none">
+              <a:t>W</a:t>
+            </a:r>
+            <a:r>
+              <a:rPr altLang="zh-CN" baseline="0" b="1" cap="none" sz="3200" i="0" kern="0" lang="en-US" spc="-20" strike="noStrike" u="none">
+                <a:solidFill>
+                  <a:schemeClr val="tx1"/>
+                </a:solidFill>
+                <a:latin typeface="Trebuchet MS" pitchFamily="0" charset="0"/>
+                <a:ea typeface="宋体" pitchFamily="0" charset="0"/>
+                <a:cs typeface="Trebuchet MS" pitchFamily="0" charset="0"/>
+              </a:rPr>
+              <a:t>H</a:t>
+            </a:r>
+            <a:r>
+              <a:rPr altLang="zh-CN" baseline="0" b="1" cap="none" sz="3200" i="0" kern="0" lang="en-US" spc="20" strike="noStrike" u="none">
+                <a:solidFill>
+                  <a:schemeClr val="tx1"/>
+                </a:solidFill>
+                <a:latin typeface="Trebuchet MS" pitchFamily="0" charset="0"/>
+                <a:ea typeface="宋体" pitchFamily="0" charset="0"/>
+                <a:cs typeface="Trebuchet MS" pitchFamily="0" charset="0"/>
+              </a:rPr>
+              <a:t>O</a:t>
+            </a:r>
+            <a:r>
+              <a:rPr altLang="zh-CN" baseline="0" b="1" cap="none" sz="3200" i="0" kern="0" lang="en-US" spc="-235" strike="noStrike" u="none">
+                <a:solidFill>
+                  <a:schemeClr val="tx1"/>
+                </a:solidFill>
+                <a:latin typeface="Trebuchet MS" pitchFamily="0" charset="0"/>
+                <a:ea typeface="宋体" pitchFamily="0" charset="0"/>
+                <a:cs typeface="Trebuchet MS" pitchFamily="0" charset="0"/>
+              </a:rPr>
+              <a:t> </a:t>
+            </a:r>
+            <a:r>
+              <a:rPr altLang="zh-CN" baseline="0" b="1" cap="none" sz="3200" i="0" kern="0" lang="en-US" spc="-10" strike="noStrike" u="none">
+                <a:solidFill>
+                  <a:schemeClr val="tx1"/>
+                </a:solidFill>
+                <a:latin typeface="Trebuchet MS" pitchFamily="0" charset="0"/>
+                <a:ea typeface="宋体" pitchFamily="0" charset="0"/>
+                <a:cs typeface="Trebuchet MS" pitchFamily="0" charset="0"/>
+              </a:rPr>
+              <a:t>AR</a:t>
+            </a:r>
+            <a:r>
+              <a:rPr altLang="zh-CN" baseline="0" b="1" cap="none" sz="3200" i="0" kern="0" lang="en-US" spc="15" strike="noStrike" u="none">
+                <a:solidFill>
+                  <a:schemeClr val="tx1"/>
+                </a:solidFill>
+                <a:latin typeface="Trebuchet MS" pitchFamily="0" charset="0"/>
+                <a:ea typeface="宋体" pitchFamily="0" charset="0"/>
+                <a:cs typeface="Trebuchet MS" pitchFamily="0" charset="0"/>
+              </a:rPr>
+              <a:t>E</a:t>
+            </a:r>
+            <a:r>
+              <a:rPr altLang="zh-CN" baseline="0" b="1" cap="none" sz="3200" i="0" kern="0" lang="en-US" spc="-35" strike="noStrike" u="none">
+                <a:solidFill>
+                  <a:schemeClr val="tx1"/>
+                </a:solidFill>
+                <a:latin typeface="Trebuchet MS" pitchFamily="0" charset="0"/>
+                <a:ea typeface="宋体" pitchFamily="0" charset="0"/>
+                <a:cs typeface="Trebuchet MS" pitchFamily="0" charset="0"/>
+              </a:rPr>
+              <a:t> </a:t>
+            </a:r>
+            <a:r>
+              <a:rPr altLang="zh-CN" baseline="0" b="1" cap="none" sz="3200" i="0" kern="0" lang="en-US" spc="-10" strike="noStrike" u="none">
+                <a:solidFill>
+                  <a:schemeClr val="tx1"/>
+                </a:solidFill>
+                <a:latin typeface="Trebuchet MS" pitchFamily="0" charset="0"/>
+                <a:ea typeface="宋体" pitchFamily="0" charset="0"/>
+                <a:cs typeface="Trebuchet MS" pitchFamily="0" charset="0"/>
+              </a:rPr>
+              <a:t>T</a:t>
+            </a:r>
+            <a:r>
+              <a:rPr altLang="zh-CN" baseline="0" b="1" cap="none" sz="3200" i="0" kern="0" lang="en-US" spc="-15" strike="noStrike" u="none">
+                <a:solidFill>
+                  <a:schemeClr val="tx1"/>
+                </a:solidFill>
+                <a:latin typeface="Trebuchet MS" pitchFamily="0" charset="0"/>
+                <a:ea typeface="宋体" pitchFamily="0" charset="0"/>
+                <a:cs typeface="Trebuchet MS" pitchFamily="0" charset="0"/>
+              </a:rPr>
+              <a:t>H</a:t>
+            </a:r>
+            <a:r>
+              <a:rPr altLang="zh-CN" baseline="0" b="1" cap="none" sz="3200" i="0" kern="0" lang="en-US" spc="15" strike="noStrike" u="none">
+                <a:solidFill>
+                  <a:schemeClr val="tx1"/>
+                </a:solidFill>
+                <a:latin typeface="Trebuchet MS" pitchFamily="0" charset="0"/>
+                <a:ea typeface="宋体" pitchFamily="0" charset="0"/>
+                <a:cs typeface="Trebuchet MS" pitchFamily="0" charset="0"/>
+              </a:rPr>
+              <a:t>E</a:t>
+            </a:r>
+            <a:r>
+              <a:rPr altLang="zh-CN" baseline="0" b="1" cap="none" sz="3200" i="0" kern="0" lang="en-US" spc="-35" strike="noStrike" u="none">
+                <a:solidFill>
+                  <a:schemeClr val="tx1"/>
+                </a:solidFill>
+                <a:latin typeface="Trebuchet MS" pitchFamily="0" charset="0"/>
+                <a:ea typeface="宋体" pitchFamily="0" charset="0"/>
+                <a:cs typeface="Trebuchet MS" pitchFamily="0" charset="0"/>
+              </a:rPr>
+              <a:t> </a:t>
+            </a:r>
+            <a:r>
+              <a:rPr altLang="zh-CN" baseline="0" b="1" cap="none" sz="3200" i="0" kern="0" lang="en-US" spc="-20" strike="noStrike" u="none">
+                <a:solidFill>
+                  <a:schemeClr val="tx1"/>
+                </a:solidFill>
+                <a:latin typeface="Trebuchet MS" pitchFamily="0" charset="0"/>
+                <a:ea typeface="宋体" pitchFamily="0" charset="0"/>
+                <a:cs typeface="Trebuchet MS" pitchFamily="0" charset="0"/>
+              </a:rPr>
+              <a:t>E</a:t>
+            </a:r>
+            <a:r>
+              <a:rPr altLang="zh-CN" baseline="0" b="1" cap="none" sz="3200" i="0" kern="0" lang="en-US" spc="30" strike="noStrike" u="none">
+                <a:solidFill>
+                  <a:schemeClr val="tx1"/>
+                </a:solidFill>
+                <a:latin typeface="Trebuchet MS" pitchFamily="0" charset="0"/>
+                <a:ea typeface="宋体" pitchFamily="0" charset="0"/>
+                <a:cs typeface="Trebuchet MS" pitchFamily="0" charset="0"/>
+              </a:rPr>
+              <a:t>N</a:t>
+            </a:r>
+            <a:r>
+              <a:rPr altLang="zh-CN" baseline="0" b="1" cap="none" sz="3200" i="0" kern="0" lang="en-US" spc="15" strike="noStrike" u="none">
+                <a:solidFill>
+                  <a:schemeClr val="tx1"/>
+                </a:solidFill>
+                <a:latin typeface="Trebuchet MS" pitchFamily="0" charset="0"/>
+                <a:ea typeface="宋体" pitchFamily="0" charset="0"/>
+                <a:cs typeface="Trebuchet MS" pitchFamily="0" charset="0"/>
+              </a:rPr>
+              <a:t>D</a:t>
+            </a:r>
+            <a:r>
+              <a:rPr altLang="zh-CN" baseline="0" b="1" cap="none" sz="3200" i="0" kern="0" lang="en-US" spc="-45" strike="noStrike" u="none">
+                <a:solidFill>
+                  <a:schemeClr val="tx1"/>
+                </a:solidFill>
+                <a:latin typeface="Trebuchet MS" pitchFamily="0" charset="0"/>
+                <a:ea typeface="宋体" pitchFamily="0" charset="0"/>
+                <a:cs typeface="Trebuchet MS" pitchFamily="0" charset="0"/>
+              </a:rPr>
+              <a:t> </a:t>
+            </a:r>
+            <a:r>
+              <a:rPr altLang="zh-CN" baseline="0" b="1" cap="none" sz="3200" i="0" kern="0" lang="en-US" spc="0" strike="noStrike" u="none">
+                <a:solidFill>
+                  <a:schemeClr val="tx1"/>
+                </a:solidFill>
+                <a:latin typeface="Trebuchet MS" pitchFamily="0" charset="0"/>
+                <a:ea typeface="宋体" pitchFamily="0" charset="0"/>
+                <a:cs typeface="Trebuchet MS" pitchFamily="0" charset="0"/>
+              </a:rPr>
+              <a:t>U</a:t>
+            </a:r>
+            <a:r>
+              <a:rPr altLang="zh-CN" baseline="0" b="1" cap="none" sz="3200" i="0" kern="0" lang="en-US" spc="10" strike="noStrike" u="none">
+                <a:solidFill>
+                  <a:schemeClr val="tx1"/>
+                </a:solidFill>
+                <a:latin typeface="Trebuchet MS" pitchFamily="0" charset="0"/>
+                <a:ea typeface="宋体" pitchFamily="0" charset="0"/>
+                <a:cs typeface="Trebuchet MS" pitchFamily="0" charset="0"/>
+              </a:rPr>
+              <a:t>S</a:t>
+            </a:r>
+            <a:r>
+              <a:rPr altLang="zh-CN" baseline="0" b="1" cap="none" sz="3200" i="0" kern="0" lang="en-US" spc="-25" strike="noStrike" u="none">
+                <a:solidFill>
+                  <a:schemeClr val="tx1"/>
+                </a:solidFill>
+                <a:latin typeface="Trebuchet MS" pitchFamily="0" charset="0"/>
+                <a:ea typeface="宋体" pitchFamily="0" charset="0"/>
+                <a:cs typeface="Trebuchet MS" pitchFamily="0" charset="0"/>
+              </a:rPr>
+              <a:t>E</a:t>
+            </a:r>
+            <a:r>
+              <a:rPr altLang="zh-CN" baseline="0" b="1" cap="none" sz="3200" i="0" kern="0" lang="en-US" spc="-10" strike="noStrike" u="none">
+                <a:solidFill>
+                  <a:schemeClr val="tx1"/>
+                </a:solidFill>
+                <a:latin typeface="Trebuchet MS" pitchFamily="0" charset="0"/>
+                <a:ea typeface="宋体" pitchFamily="0" charset="0"/>
+                <a:cs typeface="Trebuchet MS" pitchFamily="0" charset="0"/>
+              </a:rPr>
+              <a:t>R</a:t>
+            </a:r>
+            <a:r>
+              <a:rPr altLang="zh-CN" baseline="0" b="1" cap="none" sz="3200" i="0" kern="0" lang="en-US" spc="5" strike="noStrike" u="none">
+                <a:solidFill>
+                  <a:schemeClr val="tx1"/>
+                </a:solidFill>
+                <a:latin typeface="Trebuchet MS" pitchFamily="0" charset="0"/>
+                <a:ea typeface="宋体" pitchFamily="0" charset="0"/>
+                <a:cs typeface="Trebuchet MS" pitchFamily="0" charset="0"/>
+              </a:rPr>
+              <a:t>S?</a:t>
+            </a:r>
+            <a:endParaRPr altLang="en-US" baseline="0" b="1" cap="none" sz="3200" i="0" kern="0" lang="zh-CN" spc="0" strike="noStrike" u="none">
               <a:solidFill>
                 <a:schemeClr val="tx1"/>
               </a:solidFill>
@@ -13336,7 +13215,7 @@
       </p:sp>
       <p:pic>
         <p:nvPicPr>
-          <p:cNvPr id="2097167" name="图片"/>
+          <p:cNvPr id="2097165" name="图片"/>
           <p:cNvPicPr>
             <a:picLocks/>
           </p:cNvPicPr>
@@ -13350,8 +13229,8 @@
         </p:blipFill>
         <p:spPr>
           <a:xfrm rot="0">
-            <a:off x="676275" y="6467475"/>
-            <a:ext cx="2143125" cy="200024"/>
+            <a:off x="723900" y="6172200"/>
+            <a:ext cx="2181225" cy="485775"/>
           </a:xfrm>
           <a:prstGeom prst="rect"/>
           <a:noFill/>
@@ -13412,7 +13291,7 @@
                 <a:ea typeface="宋体" pitchFamily="0" charset="0"/>
                 <a:cs typeface="Trebuchet MS" pitchFamily="0" charset="0"/>
               </a:rPr>
-              <a:t>7</a:t>
+              <a:t>6</a:t>
             </a:fld>
             <a:endParaRPr altLang="en-US" baseline="0" b="0" cap="none" sz="1100" i="0" kern="1200" lang="zh-CN" spc="10" strike="noStrike" u="none">
               <a:solidFill>
@@ -13433,8 +13312,8 @@
         </p:nvSpPr>
         <p:spPr>
           <a:xfrm rot="0">
-            <a:off x="3219401" y="2276440"/>
-            <a:ext cx="4762427" cy="1158240"/>
+            <a:off x="1057258" y="1266805"/>
+            <a:ext cx="4762427" cy="3025140"/>
           </a:xfrm>
           <a:prstGeom prst="rect"/>
           <a:noFill/>
@@ -13462,6 +13341,94 @@
               </a:spcAft>
               <a:buNone/>
             </a:pPr>
+            <a:endParaRPr altLang="zh-CN" baseline="0" b="0" cap="none" sz="1800" i="0" kern="1200" lang="en-US" spc="0" strike="noStrike" u="none">
+              <a:solidFill>
+                <a:schemeClr val="tx1"/>
+              </a:solidFill>
+              <a:latin typeface="Droid Sans" pitchFamily="0" charset="0"/>
+              <a:ea typeface="宋体" pitchFamily="0" charset="0"/>
+              <a:cs typeface="Lucida Sans"/>
+            </a:endParaRPr>
+          </a:p>
+          <a:p>
+            <a:pPr algn="l" indent="0" marL="0">
+              <a:lnSpc>
+                <a:spcPct val="100000"/>
+              </a:lnSpc>
+              <a:spcBef>
+                <a:spcPts val="0"/>
+              </a:spcBef>
+              <a:spcAft>
+                <a:spcPts val="0"/>
+              </a:spcAft>
+              <a:buNone/>
+            </a:pPr>
+            <a:endParaRPr altLang="zh-CN" baseline="0" b="0" cap="none" sz="1800" i="0" kern="1200" lang="en-US" spc="0" strike="noStrike" u="none">
+              <a:solidFill>
+                <a:schemeClr val="tx1"/>
+              </a:solidFill>
+              <a:latin typeface="Droid Sans" pitchFamily="0" charset="0"/>
+              <a:ea typeface="宋体" pitchFamily="0" charset="0"/>
+              <a:cs typeface="Lucida Sans"/>
+            </a:endParaRPr>
+          </a:p>
+          <a:p>
+            <a:pPr algn="l" indent="0" marL="0">
+              <a:lnSpc>
+                <a:spcPct val="100000"/>
+              </a:lnSpc>
+              <a:spcBef>
+                <a:spcPts val="0"/>
+              </a:spcBef>
+              <a:spcAft>
+                <a:spcPts val="0"/>
+              </a:spcAft>
+              <a:buNone/>
+            </a:pPr>
+            <a:endParaRPr altLang="zh-CN" baseline="0" b="0" cap="none" sz="1800" i="0" kern="1200" lang="en-US" spc="0" strike="noStrike" u="none">
+              <a:solidFill>
+                <a:schemeClr val="tx1"/>
+              </a:solidFill>
+              <a:latin typeface="Droid Sans" pitchFamily="0" charset="0"/>
+              <a:ea typeface="宋体" pitchFamily="0" charset="0"/>
+              <a:cs typeface="Lucida Sans"/>
+            </a:endParaRPr>
+          </a:p>
+          <a:p>
+            <a:pPr algn="l" indent="0" marL="0">
+              <a:lnSpc>
+                <a:spcPct val="100000"/>
+              </a:lnSpc>
+              <a:spcBef>
+                <a:spcPts val="0"/>
+              </a:spcBef>
+              <a:spcAft>
+                <a:spcPts val="0"/>
+              </a:spcAft>
+              <a:buNone/>
+            </a:pPr>
+            <a:endParaRPr altLang="zh-CN" baseline="0" b="0" cap="none" sz="1800" i="0" kern="1200" lang="en-US" spc="0" strike="noStrike" u="none">
+              <a:solidFill>
+                <a:schemeClr val="tx1"/>
+              </a:solidFill>
+              <a:latin typeface="Droid Sans" pitchFamily="0" charset="0"/>
+              <a:ea typeface="宋体" pitchFamily="0" charset="0"/>
+              <a:cs typeface="Lucida Sans"/>
+            </a:endParaRPr>
+          </a:p>
+          <a:p>
+            <a:pPr algn="l" indent="0" marL="0">
+              <a:lnSpc>
+                <a:spcPct val="100000"/>
+              </a:lnSpc>
+              <a:spcBef>
+                <a:spcPts val="0"/>
+              </a:spcBef>
+              <a:spcAft>
+                <a:spcPts val="0"/>
+              </a:spcAft>
+              <a:buNone/>
+            </a:pPr>
             <a:r>
               <a:rPr altLang="zh-CN" baseline="0" b="0" cap="none" sz="1800" i="0" kern="1200" lang="en-US" spc="0" strike="noStrike" u="none">
                 <a:solidFill>
@@ -13471,7 +13438,40 @@
                 <a:ea typeface="宋体" pitchFamily="0" charset="0"/>
                 <a:cs typeface="Lucida Sans"/>
               </a:rPr>
-              <a:t>Data analytics platforms encompass a range of tools and techniques used to collect, process, analyze, and visualize data to extract insights and support decision-making.</a:t>
+              <a:t> How to Build Scalable Solutions</a:t>
+            </a:r>
+            <a:endParaRPr altLang="zh-CN" baseline="0" b="0" cap="none" sz="1800" i="0" kern="1200" lang="en-US" spc="0" strike="noStrike" u="none">
+              <a:solidFill>
+                <a:schemeClr val="tx1"/>
+              </a:solidFill>
+              <a:latin typeface="Droid Sans" pitchFamily="0" charset="0"/>
+              <a:ea typeface="宋体" pitchFamily="0" charset="0"/>
+              <a:cs typeface="Lucida Sans"/>
+            </a:endParaRPr>
+          </a:p>
+          <a:p>
+            <a:pPr algn="l" indent="0" marL="0">
+              <a:lnSpc>
+                <a:spcPct val="100000"/>
+              </a:lnSpc>
+              <a:spcBef>
+                <a:spcPts val="0"/>
+              </a:spcBef>
+              <a:spcAft>
+                <a:spcPts val="0"/>
+              </a:spcAft>
+              <a:buNone/>
+            </a:pPr>
+            <a:r>
+              <a:rPr altLang="zh-CN" baseline="0" b="0" cap="none" sz="1800" i="0" kern="1200" lang="en-US" spc="0" strike="noStrike" u="none">
+                <a:solidFill>
+                  <a:schemeClr val="tx1"/>
+                </a:solidFill>
+                <a:latin typeface="Droid Sans" pitchFamily="0" charset="0"/>
+                <a:ea typeface="宋体" pitchFamily="0" charset="0"/>
+                <a:cs typeface="Lucida Sans"/>
+              </a:rPr>
+              <a:t>End users engage with data analytics platforms to explore data, generate insights, and make informed decisions by using tools to create custom queries, perform aggregations, and visualize data through dashboards, charts, and graphs</a:t>
             </a:r>
             <a:endParaRPr altLang="en-US" baseline="0" b="0" cap="none" sz="1800" i="0" kern="1200" lang="zh-CN" spc="0" strike="noStrike" u="none">
               <a:solidFill>
@@ -13484,6 +13484,35 @@
           </a:p>
         </p:txBody>
       </p:sp>
+      <p:pic>
+        <p:nvPicPr>
+          <p:cNvPr id="2097166" name="图片"/>
+          <p:cNvPicPr>
+            <a:picLocks noChangeAspect="1"/>
+          </p:cNvPicPr>
+          <p:nvPr/>
+        </p:nvPicPr>
+        <p:blipFill>
+          <a:blip xmlns:r="http://schemas.openxmlformats.org/officeDocument/2006/relationships" r:embed="rId1" cstate="print"/>
+          <a:srcRect t="10264" b="61102"/>
+          <a:stretch>
+            <a:fillRect/>
+          </a:stretch>
+        </p:blipFill>
+        <p:spPr>
+          <a:xfrm rot="0">
+            <a:off x="4371908" y="4940977"/>
+            <a:ext cx="2828882" cy="1799972"/>
+          </a:xfrm>
+          <a:prstGeom prst="rect"/>
+          <a:noFill/>
+          <a:ln w="12700" cap="flat" cmpd="sng">
+            <a:noFill/>
+            <a:prstDash val="solid"/>
+            <a:miter/>
+          </a:ln>
+        </p:spPr>
+      </p:pic>
     </p:spTree>
   </p:cSld>
   <p:clrMapOvr>
@@ -13492,7 +13521,7 @@
 </p:sld>
 </file>
 
-<file path=ppt/slides/slide8.xml><?xml version="1.0" encoding="utf-8"?>
+<file path=ppt/slides/slide7.xml><?xml version="1.0" encoding="utf-8"?>
 <p:sld xmlns:a="http://schemas.openxmlformats.org/drawingml/2006/main" xmlns:r="http://schemas.openxmlformats.org/officeDocument/2006/relationships" xmlns:p="http://schemas.openxmlformats.org/presentationml/2006/main">
   <p:cSld>
     <p:bg>
@@ -13516,6 +13545,34 @@
           <a:chExt cx="0" cy="0"/>
         </a:xfrm>
       </p:grpSpPr>
+      <p:pic>
+        <p:nvPicPr>
+          <p:cNvPr id="2097167" name="图片"/>
+          <p:cNvPicPr>
+            <a:picLocks/>
+          </p:cNvPicPr>
+          <p:nvPr/>
+        </p:nvPicPr>
+        <p:blipFill>
+          <a:blip xmlns:r="http://schemas.openxmlformats.org/officeDocument/2006/relationships" cstate="print"/>
+          <a:stretch>
+            <a:fillRect/>
+          </a:stretch>
+        </p:blipFill>
+        <p:spPr>
+          <a:xfrm rot="0">
+            <a:off x="0" y="1476375"/>
+            <a:ext cx="2695574" cy="3248025"/>
+          </a:xfrm>
+          <a:prstGeom prst="rect"/>
+          <a:noFill/>
+          <a:ln w="12700" cap="flat" cmpd="sng">
+            <a:noFill/>
+            <a:prstDash val="solid"/>
+            <a:miter/>
+          </a:ln>
+        </p:spPr>
+      </p:pic>
       <p:sp>
         <p:nvSpPr>
           <p:cNvPr id="1048706" name="曲线"/>
@@ -13524,8 +13581,8 @@
         </p:nvSpPr>
         <p:spPr>
           <a:xfrm rot="0">
-            <a:off x="9353550" y="5895975"/>
-            <a:ext cx="180975" cy="180975"/>
+            <a:off x="9353550" y="5362575"/>
+            <a:ext cx="457199" cy="457200"/>
           </a:xfrm>
           <a:custGeom>
             <a:avLst/>
@@ -13559,7 +13616,7 @@
             </a:pathLst>
           </a:custGeom>
           <a:solidFill>
-            <a:srgbClr val="2D936B"/>
+            <a:srgbClr val="42AF51"/>
           </a:solidFill>
           <a:ln cap="flat" cmpd="sng">
             <a:noFill/>
@@ -13568,162 +13625,16 @@
           </a:ln>
         </p:spPr>
       </p:sp>
-      <p:pic>
-        <p:nvPicPr>
-          <p:cNvPr id="2097168" name="图片"/>
-          <p:cNvPicPr>
-            <a:picLocks/>
-          </p:cNvPicPr>
-          <p:nvPr/>
-        </p:nvPicPr>
-        <p:blipFill>
-          <a:blip xmlns:r="http://schemas.openxmlformats.org/officeDocument/2006/relationships" cstate="print"/>
-          <a:stretch>
-            <a:fillRect/>
-          </a:stretch>
-        </p:blipFill>
-        <p:spPr>
-          <a:xfrm rot="0">
-            <a:off x="1666874" y="6467475"/>
-            <a:ext cx="76200" cy="177799"/>
-          </a:xfrm>
-          <a:prstGeom prst="rect"/>
-          <a:noFill/>
-          <a:ln w="12700" cap="flat" cmpd="sng">
-            <a:noFill/>
-            <a:prstDash val="solid"/>
-            <a:miter/>
-          </a:ln>
-        </p:spPr>
-      </p:pic>
-      <p:sp>
-        <p:nvSpPr>
-          <p:cNvPr id="1048707" name="矩形"/>
+      <p:sp>
+        <p:nvSpPr>
+          <p:cNvPr id="1048707" name="曲线"/>
           <p:cNvSpPr/>
           <p:nvPr/>
         </p:nvSpPr>
         <p:spPr>
           <a:xfrm rot="0">
-            <a:off x="11277218" y="6473336"/>
-            <a:ext cx="228600" cy="168909"/>
-          </a:xfrm>
-          <a:prstGeom prst="rect"/>
-          <a:noFill/>
-          <a:ln w="12700" cap="flat" cmpd="sng">
-            <a:noFill/>
-            <a:prstDash val="solid"/>
-            <a:miter/>
-          </a:ln>
-        </p:spPr>
-        <p:txBody>
-          <a:bodyPr anchor="t" anchorCtr="0" bIns="0" lIns="0" rIns="0" tIns="6985" vert="horz" wrap="square">
-            <a:prstTxWarp prst="textNoShape"/>
-            <a:spAutoFit/>
-          </a:bodyPr>
-          <a:p>
-            <a:pPr algn="l" indent="0" marL="38100">
-              <a:lnSpc>
-                <a:spcPct val="100000"/>
-              </a:lnSpc>
-              <a:spcBef>
-                <a:spcPts val="55"/>
-              </a:spcBef>
-              <a:spcAft>
-                <a:spcPts val="0"/>
-              </a:spcAft>
-              <a:buNone/>
-            </a:pPr>
-            <a:fld id="{CAD2D6BD-DE1B-4B5F-8B41-2702339687B9}" type="slidenum">
-              <a:rPr altLang="zh-CN" baseline="0" b="0" cap="none" sz="1100" i="0" kern="1200" lang="en-US" spc="10" strike="noStrike" u="none">
-                <a:solidFill>
-                  <a:srgbClr val="2D936B"/>
-                </a:solidFill>
-                <a:latin typeface="Trebuchet MS" pitchFamily="0" charset="0"/>
-                <a:ea typeface="宋体" pitchFamily="0" charset="0"/>
-                <a:cs typeface="Trebuchet MS" pitchFamily="0" charset="0"/>
-              </a:rPr>
-              <a:t>8</a:t>
-            </a:fld>
-            <a:endParaRPr altLang="en-US" baseline="0" b="0" cap="none" sz="1100" i="0" kern="1200" lang="zh-CN" spc="0" strike="noStrike" u="none">
-              <a:solidFill>
-                <a:schemeClr val="tx1"/>
-              </a:solidFill>
-              <a:latin typeface="Trebuchet MS" pitchFamily="0" charset="0"/>
-              <a:ea typeface="宋体" pitchFamily="0" charset="0"/>
-              <a:cs typeface="Trebuchet MS" pitchFamily="0" charset="0"/>
-            </a:endParaRPr>
-          </a:p>
-        </p:txBody>
-      </p:sp>
-      <p:sp>
-        <p:nvSpPr>
-          <p:cNvPr id="1048708" name="矩形"/>
-          <p:cNvSpPr/>
-          <p:nvPr/>
-        </p:nvSpPr>
-        <p:spPr>
-          <a:xfrm rot="0">
-            <a:off x="739774" y="291147"/>
-            <a:ext cx="8794750" cy="613410"/>
-          </a:xfrm>
-          <a:prstGeom prst="rect"/>
-          <a:noFill/>
-          <a:ln w="12700" cap="flat" cmpd="sng">
-            <a:noFill/>
-            <a:prstDash val="solid"/>
-            <a:miter/>
-          </a:ln>
-        </p:spPr>
-        <p:txBody>
-          <a:bodyPr anchor="t" anchorCtr="0" bIns="0" lIns="0" rIns="0" tIns="13334" vert="horz" wrap="square">
-            <a:prstTxWarp prst="textNoShape"/>
-            <a:spAutoFit/>
-          </a:bodyPr>
-          <a:p>
-            <a:pPr algn="l" indent="0" marL="12700">
-              <a:lnSpc>
-                <a:spcPct val="100000"/>
-              </a:lnSpc>
-              <a:spcBef>
-                <a:spcPts val="104"/>
-              </a:spcBef>
-              <a:spcAft>
-                <a:spcPts val="0"/>
-              </a:spcAft>
-              <a:buNone/>
-            </a:pPr>
-            <a:r>
-              <a:rPr altLang="zh-CN" baseline="0" b="1" cap="none" sz="4000" i="0" kern="1200" lang="en-US" spc="15" strike="noStrike" u="none">
-                <a:solidFill>
-                  <a:schemeClr val="tx1"/>
-                </a:solidFill>
-                <a:latin typeface="Trebuchet MS" pitchFamily="0" charset="0"/>
-                <a:ea typeface="宋体" pitchFamily="0" charset="0"/>
-                <a:cs typeface="Trebuchet MS" pitchFamily="0" charset="0"/>
-              </a:rPr>
-              <a:t>POTFOLIO DESIGN AND LAYOUT</a:t>
-            </a:r>
-            <a:endParaRPr altLang="en-US" baseline="0" b="0" cap="none" sz="4000" i="0" kern="1200" lang="zh-CN" spc="0" strike="noStrike" u="none">
-              <a:solidFill>
-                <a:schemeClr val="tx1"/>
-              </a:solidFill>
-              <a:latin typeface="Trebuchet MS" pitchFamily="0" charset="0"/>
-              <a:ea typeface="宋体" pitchFamily="0" charset="0"/>
-              <a:cs typeface="Trebuchet MS" pitchFamily="0" charset="0"/>
-            </a:endParaRPr>
-          </a:p>
-        </p:txBody>
-      </p:sp>
-      <p:sp>
-        <p:nvSpPr>
-          <p:cNvPr id="1048709" name="曲线"/>
-          <p:cNvSpPr/>
-          <p:nvPr/>
-        </p:nvSpPr>
-        <p:spPr>
-          <a:xfrm rot="0">
-            <a:off x="10058401" y="525141"/>
-            <a:ext cx="457200" cy="457200"/>
+            <a:off x="6696075" y="1695450"/>
+            <a:ext cx="314324" cy="323850"/>
           </a:xfrm>
           <a:custGeom>
             <a:avLst/>
@@ -13757,7 +13668,7 @@
             </a:pathLst>
           </a:custGeom>
           <a:solidFill>
-            <a:srgbClr val="42AF51"/>
+            <a:srgbClr val="2D83C3"/>
           </a:solidFill>
           <a:ln cap="flat" cmpd="sng">
             <a:noFill/>
@@ -13768,14 +13679,220 @@
       </p:sp>
       <p:sp>
         <p:nvSpPr>
+          <p:cNvPr id="1048708" name="曲线"/>
+          <p:cNvSpPr/>
+          <p:nvPr/>
+        </p:nvSpPr>
+        <p:spPr>
+          <a:xfrm rot="0">
+            <a:off x="9353550" y="5895975"/>
+            <a:ext cx="180975" cy="180975"/>
+          </a:xfrm>
+          <a:custGeom>
+            <a:avLst/>
+            <a:gdLst>
+              <a:gd name="T1" fmla="*/ 0 w 21600"/>
+              <a:gd name="T2" fmla="*/ 0 h 21600"/>
+              <a:gd name="T3" fmla="*/ 21600 w 21600"/>
+              <a:gd name="T4" fmla="*/ 21600 h 21600"/>
+            </a:gdLst>
+            <a:ahLst/>
+            <a:rect l="T1" t="T2" r="T3" b="T4"/>
+            <a:pathLst>
+              <a:path w="21600" h="21600">
+                <a:moveTo>
+                  <a:pt x="21600" y="0"/>
+                </a:moveTo>
+                <a:lnTo>
+                  <a:pt x="0" y="0"/>
+                </a:lnTo>
+                <a:lnTo>
+                  <a:pt x="0" y="21600"/>
+                </a:lnTo>
+                <a:lnTo>
+                  <a:pt x="21600" y="21600"/>
+                </a:lnTo>
+                <a:lnTo>
+                  <a:pt x="21600" y="0"/>
+                </a:lnTo>
+                <a:close/>
+              </a:path>
+            </a:pathLst>
+          </a:custGeom>
+          <a:solidFill>
+            <a:srgbClr val="2D936B"/>
+          </a:solidFill>
+          <a:ln cap="flat" cmpd="sng">
+            <a:noFill/>
+            <a:prstDash val="solid"/>
+            <a:miter/>
+          </a:ln>
+        </p:spPr>
+      </p:sp>
+      <p:sp>
+        <p:nvSpPr>
+          <p:cNvPr id="1048709" name="文本框"/>
+          <p:cNvSpPr>
+            <a:spLocks noGrp="1"/>
+          </p:cNvSpPr>
+          <p:nvPr>
+            <p:ph type="title"/>
+          </p:nvPr>
+        </p:nvSpPr>
+        <p:spPr>
+          <a:xfrm rot="0">
+            <a:off x="558165" y="857885"/>
+            <a:ext cx="9763125" cy="556260"/>
+          </a:xfrm>
+          <a:prstGeom prst="rect"/>
+          <a:noFill/>
+          <a:ln w="12700" cap="flat" cmpd="sng">
+            <a:noFill/>
+            <a:prstDash val="solid"/>
+            <a:miter/>
+          </a:ln>
+        </p:spPr>
+        <p:txBody>
+          <a:bodyPr anchor="t" anchorCtr="0" bIns="0" lIns="0" rIns="0" tIns="13334" vert="horz" wrap="square">
+            <a:prstTxWarp prst="textNoShape"/>
+            <a:spAutoFit/>
+          </a:bodyPr>
+          <a:p>
+            <a:pPr algn="l" indent="0" marL="12700">
+              <a:lnSpc>
+                <a:spcPct val="100000"/>
+              </a:lnSpc>
+              <a:spcBef>
+                <a:spcPts val="104"/>
+              </a:spcBef>
+              <a:spcAft>
+                <a:spcPts val="0"/>
+              </a:spcAft>
+              <a:buNone/>
+            </a:pPr>
+            <a:r>
+              <a:rPr altLang="zh-CN" baseline="0" b="1" cap="none" sz="3600" i="0" kern="0" lang="en-US" spc="10" strike="noStrike" u="none">
+                <a:solidFill>
+                  <a:schemeClr val="tx1"/>
+                </a:solidFill>
+                <a:latin typeface="Trebuchet MS" pitchFamily="0" charset="0"/>
+                <a:ea typeface="宋体" pitchFamily="0" charset="0"/>
+                <a:cs typeface="Trebuchet MS" pitchFamily="0" charset="0"/>
+              </a:rPr>
+              <a:t>TOOLS AND TECHNIQUES</a:t>
+            </a:r>
+            <a:endParaRPr altLang="en-US" baseline="0" b="1" cap="none" sz="3600" i="0" kern="0" lang="zh-CN" spc="0" strike="noStrike" u="none">
+              <a:solidFill>
+                <a:schemeClr val="tx1"/>
+              </a:solidFill>
+              <a:latin typeface="Trebuchet MS" pitchFamily="0" charset="0"/>
+              <a:ea typeface="宋体" pitchFamily="0" charset="0"/>
+              <a:cs typeface="Trebuchet MS" pitchFamily="0" charset="0"/>
+            </a:endParaRPr>
+          </a:p>
+        </p:txBody>
+      </p:sp>
+      <p:pic>
+        <p:nvPicPr>
+          <p:cNvPr id="2097168" name="图片"/>
+          <p:cNvPicPr>
+            <a:picLocks/>
+          </p:cNvPicPr>
+          <p:nvPr/>
+        </p:nvPicPr>
+        <p:blipFill>
+          <a:blip xmlns:r="http://schemas.openxmlformats.org/officeDocument/2006/relationships" cstate="print"/>
+          <a:stretch>
+            <a:fillRect/>
+          </a:stretch>
+        </p:blipFill>
+        <p:spPr>
+          <a:xfrm rot="0">
+            <a:off x="676275" y="6467475"/>
+            <a:ext cx="2143125" cy="200024"/>
+          </a:xfrm>
+          <a:prstGeom prst="rect"/>
+          <a:noFill/>
+          <a:ln w="12700" cap="flat" cmpd="sng">
+            <a:noFill/>
+            <a:prstDash val="solid"/>
+            <a:miter/>
+          </a:ln>
+        </p:spPr>
+      </p:pic>
+      <p:sp>
+        <p:nvSpPr>
           <p:cNvPr id="1048710" name="文本框"/>
+          <p:cNvSpPr>
+            <a:spLocks noGrp="1"/>
+          </p:cNvSpPr>
+          <p:nvPr>
+            <p:ph type="sldNum" idx="7"/>
+          </p:nvPr>
+        </p:nvSpPr>
+        <p:spPr>
+          <a:xfrm rot="0">
+            <a:off x="11353418" y="6473336"/>
+            <a:ext cx="151129" cy="168909"/>
+          </a:xfrm>
+          <a:prstGeom prst="rect"/>
+          <a:noFill/>
+          <a:ln cap="flat" cmpd="sng">
+            <a:noFill/>
+            <a:prstDash val="solid"/>
+            <a:miter/>
+          </a:ln>
+        </p:spPr>
+        <p:txBody>
+          <a:bodyPr anchor="t" anchorCtr="0" bIns="0" lIns="0" rIns="0" tIns="6985" vert="horz" wrap="square">
+            <a:prstTxWarp prst="textNoShape"/>
+            <a:spAutoFit/>
+          </a:bodyPr>
+          <a:p>
+            <a:pPr algn="l" indent="0" marL="38100">
+              <a:lnSpc>
+                <a:spcPct val="100000"/>
+              </a:lnSpc>
+              <a:spcBef>
+                <a:spcPts val="55"/>
+              </a:spcBef>
+              <a:spcAft>
+                <a:spcPts val="0"/>
+              </a:spcAft>
+              <a:buNone/>
+            </a:pPr>
+            <a:fld id="{CAD2D6BD-DE1B-4B5F-8B41-2702339687B9}" type="slidenum">
+              <a:rPr altLang="zh-CN" baseline="0" b="0" cap="none" sz="1100" i="0" kern="1200" lang="en-US" spc="10" strike="noStrike" u="none">
+                <a:solidFill>
+                  <a:srgbClr val="2D936B"/>
+                </a:solidFill>
+                <a:latin typeface="Trebuchet MS" pitchFamily="0" charset="0"/>
+                <a:ea typeface="宋体" pitchFamily="0" charset="0"/>
+                <a:cs typeface="Trebuchet MS" pitchFamily="0" charset="0"/>
+              </a:rPr>
+              <a:t>7</a:t>
+            </a:fld>
+            <a:endParaRPr altLang="en-US" baseline="0" b="0" cap="none" sz="1100" i="0" kern="1200" lang="zh-CN" spc="10" strike="noStrike" u="none">
+              <a:solidFill>
+                <a:srgbClr val="2D936B"/>
+              </a:solidFill>
+              <a:latin typeface="Trebuchet MS" pitchFamily="0" charset="0"/>
+              <a:ea typeface="宋体" pitchFamily="0" charset="0"/>
+              <a:cs typeface="Trebuchet MS" pitchFamily="0" charset="0"/>
+            </a:endParaRPr>
+          </a:p>
+        </p:txBody>
+      </p:sp>
+      <p:sp>
+        <p:nvSpPr>
+          <p:cNvPr id="1048711" name="文本框"/>
           <p:cNvSpPr txBox="1"/>
           <p:nvPr/>
         </p:nvSpPr>
         <p:spPr>
           <a:xfrm rot="0">
-            <a:off x="1485877" y="1485877"/>
-            <a:ext cx="4762427" cy="1424940"/>
+            <a:off x="3219401" y="2276440"/>
+            <a:ext cx="4762427" cy="1158240"/>
           </a:xfrm>
           <a:prstGeom prst="rect"/>
           <a:noFill/>
@@ -13812,7 +13929,7 @@
                 <a:ea typeface="宋体" pitchFamily="0" charset="0"/>
                 <a:cs typeface="Lucida Sans"/>
               </a:rPr>
-              <a:t>Key design and layout elements include a clear and intuitive navigation, a prominent "About Me" section, engaging project showcases with tangible results, and easy-to-find contact information</a:t>
+              <a:t>Data analytics platforms encompass a range of tools and techniques used to collect, process, analyze, and visualize data to extract insights and support decision-making.</a:t>
             </a:r>
             <a:endParaRPr altLang="en-US" baseline="0" b="0" cap="none" sz="1800" i="0" kern="1200" lang="zh-CN" spc="0" strike="noStrike" u="none">
               <a:solidFill>
@@ -13825,35 +13942,6 @@
           </a:p>
         </p:txBody>
       </p:sp>
-      <p:pic>
-        <p:nvPicPr>
-          <p:cNvPr id="2097169" name="图片"/>
-          <p:cNvPicPr>
-            <a:picLocks noChangeAspect="1"/>
-          </p:cNvPicPr>
-          <p:nvPr/>
-        </p:nvPicPr>
-        <p:blipFill>
-          <a:blip xmlns:r="http://schemas.openxmlformats.org/officeDocument/2006/relationships" r:embed="rId1" cstate="print"/>
-          <a:srcRect t="10237" r="-6936" b="64517"/>
-          <a:stretch>
-            <a:fillRect/>
-          </a:stretch>
-        </p:blipFill>
-        <p:spPr>
-          <a:xfrm rot="0">
-            <a:off x="4152836" y="3500998"/>
-            <a:ext cx="3025097" cy="1587050"/>
-          </a:xfrm>
-          <a:prstGeom prst="rect"/>
-          <a:noFill/>
-          <a:ln w="12700" cap="flat" cmpd="sng">
-            <a:noFill/>
-            <a:prstDash val="solid"/>
-            <a:miter/>
-          </a:ln>
-        </p:spPr>
-      </p:pic>
     </p:spTree>
   </p:cSld>
   <p:clrMapOvr>
@@ -13862,7 +13950,7 @@
 </p:sld>
 </file>
 
-<file path=ppt/slides/slide9.xml><?xml version="1.0" encoding="utf-8"?>
+<file path=ppt/slides/slide8.xml><?xml version="1.0" encoding="utf-8"?>
 <p:sld xmlns:a="http://schemas.openxmlformats.org/drawingml/2006/main" xmlns:r="http://schemas.openxmlformats.org/officeDocument/2006/relationships" xmlns:p="http://schemas.openxmlformats.org/presentationml/2006/main">
   <p:cSld>
     <p:bg>
@@ -13888,18 +13976,74 @@
       </p:grpSpPr>
       <p:sp>
         <p:nvSpPr>
-          <p:cNvPr id="1048714" name="文本框"/>
-          <p:cNvSpPr>
-            <a:spLocks noGrp="1"/>
-          </p:cNvSpPr>
-          <p:nvPr>
-            <p:ph type="title"/>
-          </p:nvPr>
+          <p:cNvPr id="1048715" name="曲线"/>
+          <p:cNvSpPr/>
+          <p:nvPr/>
         </p:nvSpPr>
         <p:spPr>
           <a:xfrm rot="0">
-            <a:off x="755332" y="385444"/>
-            <a:ext cx="10681335" cy="815340"/>
+            <a:off x="9353550" y="5895975"/>
+            <a:ext cx="180975" cy="180975"/>
+          </a:xfrm>
+          <a:custGeom>
+            <a:avLst/>
+            <a:gdLst>
+              <a:gd name="T1" fmla="*/ 0 w 21600"/>
+              <a:gd name="T2" fmla="*/ 0 h 21600"/>
+              <a:gd name="T3" fmla="*/ 21600 w 21600"/>
+              <a:gd name="T4" fmla="*/ 21600 h 21600"/>
+            </a:gdLst>
+            <a:ahLst/>
+            <a:rect l="T1" t="T2" r="T3" b="T4"/>
+            <a:pathLst>
+              <a:path w="21600" h="21600">
+                <a:moveTo>
+                  <a:pt x="21600" y="0"/>
+                </a:moveTo>
+                <a:lnTo>
+                  <a:pt x="0" y="0"/>
+                </a:lnTo>
+                <a:lnTo>
+                  <a:pt x="0" y="21600"/>
+                </a:lnTo>
+                <a:lnTo>
+                  <a:pt x="21600" y="21600"/>
+                </a:lnTo>
+                <a:lnTo>
+                  <a:pt x="21600" y="0"/>
+                </a:lnTo>
+                <a:close/>
+              </a:path>
+            </a:pathLst>
+          </a:custGeom>
+          <a:solidFill>
+            <a:srgbClr val="2D936B"/>
+          </a:solidFill>
+          <a:ln cap="flat" cmpd="sng">
+            <a:noFill/>
+            <a:prstDash val="solid"/>
+            <a:miter/>
+          </a:ln>
+        </p:spPr>
+      </p:sp>
+      <p:pic>
+        <p:nvPicPr>
+          <p:cNvPr id="2097169" name="图片"/>
+          <p:cNvPicPr>
+            <a:picLocks/>
+          </p:cNvPicPr>
+          <p:nvPr/>
+        </p:nvPicPr>
+        <p:blipFill>
+          <a:blip xmlns:r="http://schemas.openxmlformats.org/officeDocument/2006/relationships" cstate="print"/>
+          <a:stretch>
+            <a:fillRect/>
+          </a:stretch>
+        </p:blipFill>
+        <p:spPr>
+          <a:xfrm rot="0">
+            <a:off x="1666874" y="6467475"/>
+            <a:ext cx="76200" cy="177799"/>
           </a:xfrm>
           <a:prstGeom prst="rect"/>
           <a:noFill/>
@@ -13909,9 +14053,200 @@
             <a:miter/>
           </a:ln>
         </p:spPr>
+      </p:pic>
+      <p:sp>
+        <p:nvSpPr>
+          <p:cNvPr id="1048716" name="矩形"/>
+          <p:cNvSpPr/>
+          <p:nvPr/>
+        </p:nvSpPr>
+        <p:spPr>
+          <a:xfrm rot="0">
+            <a:off x="11277218" y="6473336"/>
+            <a:ext cx="228600" cy="168909"/>
+          </a:xfrm>
+          <a:prstGeom prst="rect"/>
+          <a:noFill/>
+          <a:ln w="12700" cap="flat" cmpd="sng">
+            <a:noFill/>
+            <a:prstDash val="solid"/>
+            <a:miter/>
+          </a:ln>
+        </p:spPr>
+        <p:txBody>
+          <a:bodyPr anchor="t" anchorCtr="0" bIns="0" lIns="0" rIns="0" tIns="6985" vert="horz" wrap="square">
+            <a:prstTxWarp prst="textNoShape"/>
+            <a:spAutoFit/>
+          </a:bodyPr>
+          <a:p>
+            <a:pPr algn="l" indent="0" marL="38100">
+              <a:lnSpc>
+                <a:spcPct val="100000"/>
+              </a:lnSpc>
+              <a:spcBef>
+                <a:spcPts val="55"/>
+              </a:spcBef>
+              <a:spcAft>
+                <a:spcPts val="0"/>
+              </a:spcAft>
+              <a:buNone/>
+            </a:pPr>
+            <a:fld id="{CAD2D6BD-DE1B-4B5F-8B41-2702339687B9}" type="slidenum">
+              <a:rPr altLang="zh-CN" baseline="0" b="0" cap="none" sz="1100" i="0" kern="1200" lang="en-US" spc="10" strike="noStrike" u="none">
+                <a:solidFill>
+                  <a:srgbClr val="2D936B"/>
+                </a:solidFill>
+                <a:latin typeface="Trebuchet MS" pitchFamily="0" charset="0"/>
+                <a:ea typeface="宋体" pitchFamily="0" charset="0"/>
+                <a:cs typeface="Trebuchet MS" pitchFamily="0" charset="0"/>
+              </a:rPr>
+              <a:t>8</a:t>
+            </a:fld>
+            <a:endParaRPr altLang="en-US" baseline="0" b="0" cap="none" sz="1100" i="0" kern="1200" lang="zh-CN" spc="0" strike="noStrike" u="none">
+              <a:solidFill>
+                <a:schemeClr val="tx1"/>
+              </a:solidFill>
+              <a:latin typeface="Trebuchet MS" pitchFamily="0" charset="0"/>
+              <a:ea typeface="宋体" pitchFamily="0" charset="0"/>
+              <a:cs typeface="Trebuchet MS" pitchFamily="0" charset="0"/>
+            </a:endParaRPr>
+          </a:p>
+        </p:txBody>
+      </p:sp>
+      <p:sp>
+        <p:nvSpPr>
+          <p:cNvPr id="1048717" name="矩形"/>
+          <p:cNvSpPr/>
+          <p:nvPr/>
+        </p:nvSpPr>
+        <p:spPr>
+          <a:xfrm rot="0">
+            <a:off x="739774" y="291147"/>
+            <a:ext cx="8794750" cy="613410"/>
+          </a:xfrm>
+          <a:prstGeom prst="rect"/>
+          <a:noFill/>
+          <a:ln w="12700" cap="flat" cmpd="sng">
+            <a:noFill/>
+            <a:prstDash val="solid"/>
+            <a:miter/>
+          </a:ln>
+        </p:spPr>
+        <p:txBody>
+          <a:bodyPr anchor="t" anchorCtr="0" bIns="0" lIns="0" rIns="0" tIns="13334" vert="horz" wrap="square">
+            <a:prstTxWarp prst="textNoShape"/>
+            <a:spAutoFit/>
+          </a:bodyPr>
+          <a:p>
+            <a:pPr algn="l" indent="0" marL="12700">
+              <a:lnSpc>
+                <a:spcPct val="100000"/>
+              </a:lnSpc>
+              <a:spcBef>
+                <a:spcPts val="104"/>
+              </a:spcBef>
+              <a:spcAft>
+                <a:spcPts val="0"/>
+              </a:spcAft>
+              <a:buNone/>
+            </a:pPr>
+            <a:r>
+              <a:rPr altLang="zh-CN" baseline="0" b="1" cap="none" sz="4000" i="0" kern="1200" lang="en-US" spc="15" strike="noStrike" u="none">
+                <a:solidFill>
+                  <a:schemeClr val="tx1"/>
+                </a:solidFill>
+                <a:latin typeface="Trebuchet MS" pitchFamily="0" charset="0"/>
+                <a:ea typeface="宋体" pitchFamily="0" charset="0"/>
+                <a:cs typeface="Trebuchet MS" pitchFamily="0" charset="0"/>
+              </a:rPr>
+              <a:t>POTFOLIO DESIGN AND LAYOUT</a:t>
+            </a:r>
+            <a:endParaRPr altLang="en-US" baseline="0" b="0" cap="none" sz="4000" i="0" kern="1200" lang="zh-CN" spc="0" strike="noStrike" u="none">
+              <a:solidFill>
+                <a:schemeClr val="tx1"/>
+              </a:solidFill>
+              <a:latin typeface="Trebuchet MS" pitchFamily="0" charset="0"/>
+              <a:ea typeface="宋体" pitchFamily="0" charset="0"/>
+              <a:cs typeface="Trebuchet MS" pitchFamily="0" charset="0"/>
+            </a:endParaRPr>
+          </a:p>
+        </p:txBody>
+      </p:sp>
+      <p:sp>
+        <p:nvSpPr>
+          <p:cNvPr id="1048718" name="曲线"/>
+          <p:cNvSpPr/>
+          <p:nvPr/>
+        </p:nvSpPr>
+        <p:spPr>
+          <a:xfrm rot="0">
+            <a:off x="10058401" y="525141"/>
+            <a:ext cx="457200" cy="457200"/>
+          </a:xfrm>
+          <a:custGeom>
+            <a:avLst/>
+            <a:gdLst>
+              <a:gd name="T1" fmla="*/ 0 w 21600"/>
+              <a:gd name="T2" fmla="*/ 0 h 21600"/>
+              <a:gd name="T3" fmla="*/ 21600 w 21600"/>
+              <a:gd name="T4" fmla="*/ 21600 h 21600"/>
+            </a:gdLst>
+            <a:ahLst/>
+            <a:rect l="T1" t="T2" r="T3" b="T4"/>
+            <a:pathLst>
+              <a:path w="21600" h="21600">
+                <a:moveTo>
+                  <a:pt x="21600" y="0"/>
+                </a:moveTo>
+                <a:lnTo>
+                  <a:pt x="0" y="0"/>
+                </a:lnTo>
+                <a:lnTo>
+                  <a:pt x="0" y="21600"/>
+                </a:lnTo>
+                <a:lnTo>
+                  <a:pt x="21600" y="21600"/>
+                </a:lnTo>
+                <a:lnTo>
+                  <a:pt x="21600" y="0"/>
+                </a:lnTo>
+                <a:close/>
+              </a:path>
+            </a:pathLst>
+          </a:custGeom>
+          <a:solidFill>
+            <a:srgbClr val="42AF51"/>
+          </a:solidFill>
+          <a:ln cap="flat" cmpd="sng">
+            <a:noFill/>
+            <a:prstDash val="solid"/>
+            <a:miter/>
+          </a:ln>
+        </p:spPr>
+      </p:sp>
+      <p:sp>
+        <p:nvSpPr>
+          <p:cNvPr id="1048719" name="文本框"/>
+          <p:cNvSpPr txBox="1"/>
+          <p:nvPr/>
+        </p:nvSpPr>
+        <p:spPr>
+          <a:xfrm rot="0">
+            <a:off x="1485877" y="1485877"/>
+            <a:ext cx="4762427" cy="1424940"/>
+          </a:xfrm>
+          <a:prstGeom prst="rect"/>
+          <a:noFill/>
+          <a:ln w="12700" cap="flat" cmpd="sng">
+            <a:noFill/>
+            <a:prstDash val="solid"/>
+            <a:miter/>
+          </a:ln>
+        </p:spPr>
         <p:txBody>
           <a:bodyPr anchor="t" anchorCtr="0" bIns="45720" lIns="91440" rIns="91440" tIns="45720" vert="horz" wrap="square">
             <a:prstTxWarp prst="textNoShape"/>
+            <a:spAutoFit/>
           </a:bodyPr>
           <a:p>
             <a:pPr algn="l" indent="0" marL="0">
@@ -13927,37 +14262,46 @@
               <a:buNone/>
             </a:pPr>
             <a:r>
-              <a:rPr altLang="zh-CN" baseline="0" b="1" cap="none" sz="4800" i="0" kern="0" lang="en-US" spc="0" strike="noStrike" u="none">
+              <a:rPr altLang="zh-CN" baseline="0" b="0" cap="none" sz="1800" i="0" kern="1200" lang="en-US" spc="0" strike="noStrike" u="none">
                 <a:solidFill>
                   <a:schemeClr val="tx1"/>
                 </a:solidFill>
-                <a:latin typeface="Trebuchet MS" pitchFamily="0" charset="0"/>
-                <a:ea typeface="宋体" pitchFamily="0" charset="0"/>
-                <a:cs typeface="Trebuchet MS" pitchFamily="0" charset="0"/>
-              </a:rPr>
-              <a:t>FEATURES AND FUNCTIONALITY</a:t>
-            </a:r>
-            <a:endParaRPr altLang="en-US" baseline="0" b="1" cap="none" sz="4800" i="0" kern="0" lang="zh-CN" spc="0" strike="noStrike" u="none">
+                <a:latin typeface="Droid Sans" pitchFamily="0" charset="0"/>
+                <a:ea typeface="宋体" pitchFamily="0" charset="0"/>
+                <a:cs typeface="Lucida Sans"/>
+              </a:rPr>
+              <a:t>Key design and layout elements include a clear and intuitive navigation, a prominent "About Me" section, engaging project showcases with tangible results, and easy-to-find contact information</a:t>
+            </a:r>
+            <a:endParaRPr altLang="en-US" baseline="0" b="0" cap="none" sz="1800" i="0" kern="1200" lang="zh-CN" spc="0" strike="noStrike" u="none">
               <a:solidFill>
                 <a:schemeClr val="tx1"/>
               </a:solidFill>
-              <a:latin typeface="Trebuchet MS" pitchFamily="0" charset="0"/>
+              <a:latin typeface="Droid Sans" pitchFamily="0" charset="0"/>
               <a:ea typeface="宋体" pitchFamily="0" charset="0"/>
-              <a:cs typeface="Trebuchet MS" pitchFamily="0" charset="0"/>
+              <a:cs typeface="Lucida Sans"/>
             </a:endParaRPr>
           </a:p>
         </p:txBody>
       </p:sp>
-      <p:sp>
-        <p:nvSpPr>
-          <p:cNvPr id="1048715" name="文本框"/>
-          <p:cNvSpPr txBox="1"/>
+      <p:pic>
+        <p:nvPicPr>
+          <p:cNvPr id="2097170" name="图片"/>
+          <p:cNvPicPr>
+            <a:picLocks noChangeAspect="1"/>
+          </p:cNvPicPr>
           <p:nvPr/>
-        </p:nvSpPr>
+        </p:nvPicPr>
+        <p:blipFill>
+          <a:blip xmlns:r="http://schemas.openxmlformats.org/officeDocument/2006/relationships" r:embed="rId1" cstate="print"/>
+          <a:srcRect t="10237" r="-6936" b="64517"/>
+          <a:stretch>
+            <a:fillRect/>
+          </a:stretch>
+        </p:blipFill>
         <p:spPr>
           <a:xfrm rot="0">
-            <a:off x="1562076" y="1485877"/>
-            <a:ext cx="7269882" cy="1691640"/>
+            <a:off x="4152836" y="3500998"/>
+            <a:ext cx="3025097" cy="1587050"/>
           </a:xfrm>
           <a:prstGeom prst="rect"/>
           <a:noFill/>
@@ -13967,10 +14311,65 @@
             <a:miter/>
           </a:ln>
         </p:spPr>
+      </p:pic>
+    </p:spTree>
+  </p:cSld>
+  <p:clrMapOvr>
+    <a:masterClrMapping/>
+  </p:clrMapOvr>
+</p:sld>
+</file>
+
+<file path=ppt/slides/slide9.xml><?xml version="1.0" encoding="utf-8"?>
+<p:sld xmlns:a="http://schemas.openxmlformats.org/drawingml/2006/main" xmlns:r="http://schemas.openxmlformats.org/officeDocument/2006/relationships" xmlns:p="http://schemas.openxmlformats.org/presentationml/2006/main">
+  <p:cSld>
+    <p:bg>
+      <p:bgPr>
+        <a:solidFill>
+          <a:schemeClr val="bg1"/>
+        </a:solidFill>
+      </p:bgPr>
+    </p:bg>
+    <p:spTree>
+      <p:nvGrpSpPr>
+        <p:cNvPr id="63" name=""/>
+        <p:cNvGrpSpPr/>
+        <p:nvPr/>
+      </p:nvGrpSpPr>
+      <p:grpSpPr>
+        <a:xfrm>
+          <a:off x="0" y="0"/>
+          <a:ext cx="0" cy="0"/>
+          <a:chOff x="0" y="0"/>
+          <a:chExt cx="0" cy="0"/>
+        </a:xfrm>
+      </p:grpSpPr>
+      <p:sp>
+        <p:nvSpPr>
+          <p:cNvPr id="1048723" name="文本框"/>
+          <p:cNvSpPr>
+            <a:spLocks noGrp="1"/>
+          </p:cNvSpPr>
+          <p:nvPr>
+            <p:ph type="title"/>
+          </p:nvPr>
+        </p:nvSpPr>
+        <p:spPr>
+          <a:xfrm rot="0">
+            <a:off x="755332" y="385444"/>
+            <a:ext cx="10681335" cy="815340"/>
+          </a:xfrm>
+          <a:prstGeom prst="rect"/>
+          <a:noFill/>
+          <a:ln w="12700" cap="flat" cmpd="sng">
+            <a:noFill/>
+            <a:prstDash val="solid"/>
+            <a:miter/>
+          </a:ln>
+        </p:spPr>
         <p:txBody>
           <a:bodyPr anchor="t" anchorCtr="0" bIns="45720" lIns="91440" rIns="91440" tIns="45720" vert="horz" wrap="square">
             <a:prstTxWarp prst="textNoShape"/>
-            <a:spAutoFit/>
           </a:bodyPr>
           <a:p>
             <a:pPr algn="l" indent="0" marL="0">
@@ -13986,6 +14385,65 @@
               <a:buNone/>
             </a:pPr>
             <a:r>
+              <a:rPr altLang="zh-CN" baseline="0" b="1" cap="none" sz="4800" i="0" kern="0" lang="en-US" spc="0" strike="noStrike" u="none">
+                <a:solidFill>
+                  <a:schemeClr val="tx1"/>
+                </a:solidFill>
+                <a:latin typeface="Trebuchet MS" pitchFamily="0" charset="0"/>
+                <a:ea typeface="宋体" pitchFamily="0" charset="0"/>
+                <a:cs typeface="Trebuchet MS" pitchFamily="0" charset="0"/>
+              </a:rPr>
+              <a:t>FEATURES AND FUNCTIONALITY</a:t>
+            </a:r>
+            <a:endParaRPr altLang="en-US" baseline="0" b="1" cap="none" sz="4800" i="0" kern="0" lang="zh-CN" spc="0" strike="noStrike" u="none">
+              <a:solidFill>
+                <a:schemeClr val="tx1"/>
+              </a:solidFill>
+              <a:latin typeface="Trebuchet MS" pitchFamily="0" charset="0"/>
+              <a:ea typeface="宋体" pitchFamily="0" charset="0"/>
+              <a:cs typeface="Trebuchet MS" pitchFamily="0" charset="0"/>
+            </a:endParaRPr>
+          </a:p>
+        </p:txBody>
+      </p:sp>
+      <p:sp>
+        <p:nvSpPr>
+          <p:cNvPr id="1048724" name="文本框"/>
+          <p:cNvSpPr txBox="1"/>
+          <p:nvPr/>
+        </p:nvSpPr>
+        <p:spPr>
+          <a:xfrm rot="0">
+            <a:off x="1562076" y="1485877"/>
+            <a:ext cx="7269882" cy="1691640"/>
+          </a:xfrm>
+          <a:prstGeom prst="rect"/>
+          <a:noFill/>
+          <a:ln w="12700" cap="flat" cmpd="sng">
+            <a:noFill/>
+            <a:prstDash val="solid"/>
+            <a:miter/>
+          </a:ln>
+        </p:spPr>
+        <p:txBody>
+          <a:bodyPr anchor="t" anchorCtr="0" bIns="45720" lIns="91440" rIns="91440" tIns="45720" vert="horz" wrap="square">
+            <a:prstTxWarp prst="textNoShape"/>
+            <a:spAutoFit/>
+          </a:bodyPr>
+          <a:p>
+            <a:pPr algn="l" indent="0" marL="0">
+              <a:lnSpc>
+                <a:spcPct val="100000"/>
+              </a:lnSpc>
+              <a:spcBef>
+                <a:spcPts val="0"/>
+              </a:spcBef>
+              <a:spcAft>
+                <a:spcPts val="0"/>
+              </a:spcAft>
+              <a:buNone/>
+            </a:pPr>
+            <a:r>
               <a:rPr altLang="zh-CN" baseline="0" b="0" cap="none" sz="1800" i="0" kern="1200" lang="en-US" spc="0" strike="noStrike" u="none">
                 <a:solidFill>
                   <a:schemeClr val="tx1"/>
@@ -14009,7 +14467,7 @@
       </p:sp>
       <p:pic>
         <p:nvPicPr>
-          <p:cNvPr id="2097170" name="图片"/>
+          <p:cNvPr id="2097171" name="图片"/>
           <p:cNvPicPr>
             <a:picLocks noChangeAspect="1"/>
           </p:cNvPicPr>
